--- a/figures/Ex Fig 5.pptx
+++ b/figures/Ex Fig 5.pptx
@@ -5,10 +5,11 @@
     <p:sldMasterId id="2147483696" r:id="rId1"/>
   </p:sldMasterIdLst>
   <p:notesMasterIdLst>
-    <p:notesMasterId r:id="rId3"/>
+    <p:notesMasterId r:id="rId4"/>
   </p:notesMasterIdLst>
   <p:sldIdLst>
     <p:sldId id="261" r:id="rId2"/>
+    <p:sldId id="262" r:id="rId3"/>
   </p:sldIdLst>
   <p:sldSz cx="13320713" cy="8999538"/>
   <p:notesSz cx="6858000" cy="9144000"/>
@@ -197,7 +198,7 @@
           <a:p>
             <a:fld id="{B19977C2-3852-6343-8FB6-75798599EF47}" type="datetimeFigureOut">
               <a:rPr lang="en-US" smtClean="0"/>
-              <a:t>9/5/24</a:t>
+              <a:t>9/12/24</a:t>
             </a:fld>
             <a:endParaRPr lang="en-US"/>
           </a:p>
@@ -553,6 +554,119 @@
 </p:notes>
 </file>
 
+<file path=ppt/notesSlides/notesSlide2.xml><?xml version="1.0" encoding="utf-8"?>
+<p:notes xmlns:a="http://schemas.openxmlformats.org/drawingml/2006/main" xmlns:r="http://schemas.openxmlformats.org/officeDocument/2006/relationships" xmlns:p="http://schemas.openxmlformats.org/presentationml/2006/main">
+  <p:cSld>
+    <p:spTree>
+      <p:nvGrpSpPr>
+        <p:cNvPr id="1" name="">
+          <a:extLst>
+            <a:ext uri="{FF2B5EF4-FFF2-40B4-BE49-F238E27FC236}">
+              <a16:creationId xmlns:a16="http://schemas.microsoft.com/office/drawing/2014/main" id="{12309BCE-9353-5902-D6DC-82AFA2121FB5}"/>
+            </a:ext>
+          </a:extLst>
+        </p:cNvPr>
+        <p:cNvGrpSpPr/>
+        <p:nvPr/>
+      </p:nvGrpSpPr>
+      <p:grpSpPr>
+        <a:xfrm>
+          <a:off x="0" y="0"/>
+          <a:ext cx="0" cy="0"/>
+          <a:chOff x="0" y="0"/>
+          <a:chExt cx="0" cy="0"/>
+        </a:xfrm>
+      </p:grpSpPr>
+      <p:sp>
+        <p:nvSpPr>
+          <p:cNvPr id="2" name="Slide Image Placeholder 1">
+            <a:extLst>
+              <a:ext uri="{FF2B5EF4-FFF2-40B4-BE49-F238E27FC236}">
+                <a16:creationId xmlns:a16="http://schemas.microsoft.com/office/drawing/2014/main" id="{D1001675-4210-9DB4-3C7E-AC91D2E8E324}"/>
+              </a:ext>
+            </a:extLst>
+          </p:cNvPr>
+          <p:cNvSpPr>
+            <a:spLocks noGrp="1" noRot="1" noChangeAspect="1"/>
+          </p:cNvSpPr>
+          <p:nvPr>
+            <p:ph type="sldImg"/>
+          </p:nvPr>
+        </p:nvSpPr>
+        <p:spPr>
+          <a:xfrm>
+            <a:off x="1146175" y="1143000"/>
+            <a:ext cx="4565650" cy="3086100"/>
+          </a:xfrm>
+        </p:spPr>
+      </p:sp>
+      <p:sp>
+        <p:nvSpPr>
+          <p:cNvPr id="3" name="Notes Placeholder 2">
+            <a:extLst>
+              <a:ext uri="{FF2B5EF4-FFF2-40B4-BE49-F238E27FC236}">
+                <a16:creationId xmlns:a16="http://schemas.microsoft.com/office/drawing/2014/main" id="{D56527CD-F23C-7EA1-2B0B-6BAA372F20A5}"/>
+              </a:ext>
+            </a:extLst>
+          </p:cNvPr>
+          <p:cNvSpPr>
+            <a:spLocks noGrp="1"/>
+          </p:cNvSpPr>
+          <p:nvPr>
+            <p:ph type="body" idx="1"/>
+          </p:nvPr>
+        </p:nvSpPr>
+        <p:spPr/>
+        <p:txBody>
+          <a:bodyPr/>
+          <a:lstStyle/>
+          <a:p>
+            <a:endParaRPr lang="en-US" dirty="0"/>
+          </a:p>
+        </p:txBody>
+      </p:sp>
+      <p:sp>
+        <p:nvSpPr>
+          <p:cNvPr id="4" name="Slide Number Placeholder 3">
+            <a:extLst>
+              <a:ext uri="{FF2B5EF4-FFF2-40B4-BE49-F238E27FC236}">
+                <a16:creationId xmlns:a16="http://schemas.microsoft.com/office/drawing/2014/main" id="{BC660352-00F5-4B64-D27B-E46431FEC7E5}"/>
+              </a:ext>
+            </a:extLst>
+          </p:cNvPr>
+          <p:cNvSpPr>
+            <a:spLocks noGrp="1"/>
+          </p:cNvSpPr>
+          <p:nvPr>
+            <p:ph type="sldNum" sz="quarter" idx="5"/>
+          </p:nvPr>
+        </p:nvSpPr>
+        <p:spPr/>
+        <p:txBody>
+          <a:bodyPr/>
+          <a:lstStyle/>
+          <a:p>
+            <a:fld id="{2F555F2B-D280-0548-9DA4-50222134F4CC}" type="slidenum">
+              <a:rPr lang="en-US" smtClean="0"/>
+              <a:t>2</a:t>
+            </a:fld>
+            <a:endParaRPr lang="en-US"/>
+          </a:p>
+        </p:txBody>
+      </p:sp>
+    </p:spTree>
+    <p:extLst>
+      <p:ext uri="{BB962C8B-B14F-4D97-AF65-F5344CB8AC3E}">
+        <p14:creationId xmlns:p14="http://schemas.microsoft.com/office/powerpoint/2010/main" val="2496340320"/>
+      </p:ext>
+    </p:extLst>
+  </p:cSld>
+  <p:clrMapOvr>
+    <a:masterClrMapping/>
+  </p:clrMapOvr>
+</p:notes>
+</file>
+
 <file path=ppt/slideLayouts/slideLayout1.xml><?xml version="1.0" encoding="utf-8"?>
 <p:sldLayout xmlns:a="http://schemas.openxmlformats.org/drawingml/2006/main" xmlns:r="http://schemas.openxmlformats.org/officeDocument/2006/relationships" xmlns:p="http://schemas.openxmlformats.org/presentationml/2006/main" type="title" preserve="1">
   <p:cSld name="Title Slide">
@@ -684,7 +798,7 @@
           <a:p>
             <a:fld id="{49D16157-31ED-214D-A6E8-583A2FDE31BF}" type="datetimeFigureOut">
               <a:rPr lang="en-US" smtClean="0"/>
-              <a:t>9/5/24</a:t>
+              <a:t>9/12/24</a:t>
             </a:fld>
             <a:endParaRPr lang="en-US"/>
           </a:p>
@@ -854,7 +968,7 @@
           <a:p>
             <a:fld id="{49D16157-31ED-214D-A6E8-583A2FDE31BF}" type="datetimeFigureOut">
               <a:rPr lang="en-US" smtClean="0"/>
-              <a:t>9/5/24</a:t>
+              <a:t>9/12/24</a:t>
             </a:fld>
             <a:endParaRPr lang="en-US"/>
           </a:p>
@@ -1034,7 +1148,7 @@
           <a:p>
             <a:fld id="{49D16157-31ED-214D-A6E8-583A2FDE31BF}" type="datetimeFigureOut">
               <a:rPr lang="en-US" smtClean="0"/>
-              <a:t>9/5/24</a:t>
+              <a:t>9/12/24</a:t>
             </a:fld>
             <a:endParaRPr lang="en-US"/>
           </a:p>
@@ -1204,7 +1318,7 @@
           <a:p>
             <a:fld id="{49D16157-31ED-214D-A6E8-583A2FDE31BF}" type="datetimeFigureOut">
               <a:rPr lang="en-US" smtClean="0"/>
-              <a:t>9/5/24</a:t>
+              <a:t>9/12/24</a:t>
             </a:fld>
             <a:endParaRPr lang="en-US"/>
           </a:p>
@@ -1450,7 +1564,7 @@
           <a:p>
             <a:fld id="{49D16157-31ED-214D-A6E8-583A2FDE31BF}" type="datetimeFigureOut">
               <a:rPr lang="en-US" smtClean="0"/>
-              <a:t>9/5/24</a:t>
+              <a:t>9/12/24</a:t>
             </a:fld>
             <a:endParaRPr lang="en-US"/>
           </a:p>
@@ -1682,7 +1796,7 @@
           <a:p>
             <a:fld id="{49D16157-31ED-214D-A6E8-583A2FDE31BF}" type="datetimeFigureOut">
               <a:rPr lang="en-US" smtClean="0"/>
-              <a:t>9/5/24</a:t>
+              <a:t>9/12/24</a:t>
             </a:fld>
             <a:endParaRPr lang="en-US"/>
           </a:p>
@@ -2049,7 +2163,7 @@
           <a:p>
             <a:fld id="{49D16157-31ED-214D-A6E8-583A2FDE31BF}" type="datetimeFigureOut">
               <a:rPr lang="en-US" smtClean="0"/>
-              <a:t>9/5/24</a:t>
+              <a:t>9/12/24</a:t>
             </a:fld>
             <a:endParaRPr lang="en-US"/>
           </a:p>
@@ -2167,7 +2281,7 @@
           <a:p>
             <a:fld id="{49D16157-31ED-214D-A6E8-583A2FDE31BF}" type="datetimeFigureOut">
               <a:rPr lang="en-US" smtClean="0"/>
-              <a:t>9/5/24</a:t>
+              <a:t>9/12/24</a:t>
             </a:fld>
             <a:endParaRPr lang="en-US"/>
           </a:p>
@@ -2262,7 +2376,7 @@
           <a:p>
             <a:fld id="{49D16157-31ED-214D-A6E8-583A2FDE31BF}" type="datetimeFigureOut">
               <a:rPr lang="en-US" smtClean="0"/>
-              <a:t>9/5/24</a:t>
+              <a:t>9/12/24</a:t>
             </a:fld>
             <a:endParaRPr lang="en-US"/>
           </a:p>
@@ -2539,7 +2653,7 @@
           <a:p>
             <a:fld id="{49D16157-31ED-214D-A6E8-583A2FDE31BF}" type="datetimeFigureOut">
               <a:rPr lang="en-US" smtClean="0"/>
-              <a:t>9/5/24</a:t>
+              <a:t>9/12/24</a:t>
             </a:fld>
             <a:endParaRPr lang="en-US"/>
           </a:p>
@@ -2796,7 +2910,7 @@
           <a:p>
             <a:fld id="{49D16157-31ED-214D-A6E8-583A2FDE31BF}" type="datetimeFigureOut">
               <a:rPr lang="en-US" smtClean="0"/>
-              <a:t>9/5/24</a:t>
+              <a:t>9/12/24</a:t>
             </a:fld>
             <a:endParaRPr lang="en-US"/>
           </a:p>
@@ -3009,7 +3123,7 @@
           <a:p>
             <a:fld id="{49D16157-31ED-214D-A6E8-583A2FDE31BF}" type="datetimeFigureOut">
               <a:rPr lang="en-US" smtClean="0"/>
-              <a:t>9/5/24</a:t>
+              <a:t>9/12/24</a:t>
             </a:fld>
             <a:endParaRPr lang="en-US"/>
           </a:p>
@@ -3712,7 +3826,7 @@
         </p:nvSpPr>
         <p:spPr>
           <a:xfrm>
-            <a:off x="2037015" y="5794377"/>
+            <a:off x="2037015" y="6805792"/>
             <a:ext cx="930063" cy="246221"/>
           </a:xfrm>
           <a:prstGeom prst="rect">
@@ -3754,8 +3868,8 @@
         </p:nvSpPr>
         <p:spPr>
           <a:xfrm>
-            <a:off x="2356013" y="6037915"/>
-            <a:ext cx="611065" cy="246221"/>
+            <a:off x="2404103" y="5792648"/>
+            <a:ext cx="562975" cy="246221"/>
           </a:xfrm>
           <a:prstGeom prst="rect">
             <a:avLst/>
@@ -3787,109 +3901,11 @@
               <a:t>L</a:t>
             </a:r>
             <a:r>
-              <a:rPr lang="en-US" sz="1000" b="1" baseline="-25000" dirty="0">
-                <a:latin typeface="Arial" panose="020B0604020202020204" pitchFamily="34" charset="0"/>
-                <a:cs typeface="Arial" panose="020B0604020202020204" pitchFamily="34" charset="0"/>
-              </a:rPr>
-              <a:t>1/2</a:t>
-            </a:r>
-          </a:p>
-        </p:txBody>
-      </p:sp>
-      <p:sp>
-        <p:nvSpPr>
-          <p:cNvPr id="15" name="TextBox 14">
-            <a:extLst>
-              <a:ext uri="{FF2B5EF4-FFF2-40B4-BE49-F238E27FC236}">
-                <a16:creationId xmlns:a16="http://schemas.microsoft.com/office/drawing/2014/main" id="{466279D9-FA13-97BB-1244-1F323651FC21}"/>
-              </a:ext>
-            </a:extLst>
-          </p:cNvPr>
-          <p:cNvSpPr txBox="1"/>
-          <p:nvPr/>
-        </p:nvSpPr>
-        <p:spPr>
-          <a:xfrm>
-            <a:off x="2356013" y="6281453"/>
-            <a:ext cx="611066" cy="246221"/>
-          </a:xfrm>
-          <a:prstGeom prst="rect">
-            <a:avLst/>
-          </a:prstGeom>
-          <a:noFill/>
-          <a:ln>
-            <a:noFill/>
-          </a:ln>
-        </p:spPr>
-        <p:txBody>
-          <a:bodyPr wrap="none" rtlCol="0">
-            <a:spAutoFit/>
-          </a:bodyPr>
-          <a:lstStyle/>
-          <a:p>
-            <a:pPr algn="r"/>
-            <a:r>
-              <a:rPr lang="en-US" sz="1000" b="1" dirty="0">
-                <a:latin typeface="Arial" panose="020B0604020202020204" pitchFamily="34" charset="0"/>
-                <a:cs typeface="Arial" panose="020B0604020202020204" pitchFamily="34" charset="0"/>
-              </a:rPr>
-              <a:t>log </a:t>
-            </a:r>
-            <a:r>
-              <a:rPr lang="en-US" sz="1000" b="1" i="1" dirty="0">
-                <a:latin typeface="Arial" panose="020B0604020202020204" pitchFamily="34" charset="0"/>
-                <a:cs typeface="Arial" panose="020B0604020202020204" pitchFamily="34" charset="0"/>
-              </a:rPr>
-              <a:t>F</a:t>
-            </a:r>
-            <a:r>
-              <a:rPr lang="en-US" sz="1000" b="1" baseline="-25000" dirty="0">
-                <a:latin typeface="Arial" panose="020B0604020202020204" pitchFamily="34" charset="0"/>
-                <a:cs typeface="Arial" panose="020B0604020202020204" pitchFamily="34" charset="0"/>
-              </a:rPr>
-              <a:t>1/2</a:t>
-            </a:r>
-          </a:p>
-        </p:txBody>
-      </p:sp>
-      <p:sp>
-        <p:nvSpPr>
-          <p:cNvPr id="16" name="TextBox 15">
-            <a:extLst>
-              <a:ext uri="{FF2B5EF4-FFF2-40B4-BE49-F238E27FC236}">
-                <a16:creationId xmlns:a16="http://schemas.microsoft.com/office/drawing/2014/main" id="{9E426D95-5B7D-90CD-B14E-1D3E47FA2475}"/>
-              </a:ext>
-            </a:extLst>
-          </p:cNvPr>
-          <p:cNvSpPr txBox="1"/>
-          <p:nvPr/>
-        </p:nvSpPr>
-        <p:spPr>
-          <a:xfrm>
-            <a:off x="2184491" y="6531223"/>
-            <a:ext cx="782587" cy="246221"/>
-          </a:xfrm>
-          <a:prstGeom prst="rect">
-            <a:avLst/>
-          </a:prstGeom>
-          <a:noFill/>
-          <a:ln>
-            <a:noFill/>
-          </a:ln>
-        </p:spPr>
-        <p:txBody>
-          <a:bodyPr wrap="none" rtlCol="0">
-            <a:spAutoFit/>
-          </a:bodyPr>
-          <a:lstStyle/>
-          <a:p>
-            <a:pPr algn="r"/>
-            <a:r>
-              <a:rPr lang="en-US" sz="1000" b="1" dirty="0">
-                <a:latin typeface="Arial" panose="020B0604020202020204" pitchFamily="34" charset="0"/>
-                <a:cs typeface="Arial" panose="020B0604020202020204" pitchFamily="34" charset="0"/>
-              </a:rPr>
-              <a:t>log RCVQ</a:t>
+              <a:rPr lang="en-US" sz="1000" b="1" i="1" baseline="-25000" dirty="0">
+                <a:latin typeface="Arial" panose="020B0604020202020204" pitchFamily="34" charset="0"/>
+                <a:cs typeface="Arial" panose="020B0604020202020204" pitchFamily="34" charset="0"/>
+              </a:rPr>
+              <a:t>i/j</a:t>
             </a:r>
             <a:endParaRPr lang="en-US" sz="1000" b="1" baseline="-25000" dirty="0">
               <a:latin typeface="Arial" panose="020B0604020202020204" pitchFamily="34" charset="0"/>
@@ -3900,20 +3916,20 @@
       </p:sp>
       <p:sp>
         <p:nvSpPr>
-          <p:cNvPr id="17" name="TextBox 16">
-            <a:extLst>
-              <a:ext uri="{FF2B5EF4-FFF2-40B4-BE49-F238E27FC236}">
-                <a16:creationId xmlns:a16="http://schemas.microsoft.com/office/drawing/2014/main" id="{63771132-0CFA-000A-E362-D697B1E5C1A7}"/>
-              </a:ext>
-            </a:extLst>
-          </p:cNvPr>
-          <p:cNvSpPr txBox="1"/>
-          <p:nvPr/>
-        </p:nvSpPr>
-        <p:spPr>
-          <a:xfrm>
-            <a:off x="2176477" y="6777444"/>
-            <a:ext cx="790601" cy="246221"/>
+          <p:cNvPr id="15" name="TextBox 14">
+            <a:extLst>
+              <a:ext uri="{FF2B5EF4-FFF2-40B4-BE49-F238E27FC236}">
+                <a16:creationId xmlns:a16="http://schemas.microsoft.com/office/drawing/2014/main" id="{466279D9-FA13-97BB-1244-1F323651FC21}"/>
+              </a:ext>
+            </a:extLst>
+          </p:cNvPr>
+          <p:cNvSpPr txBox="1"/>
+          <p:nvPr/>
+        </p:nvSpPr>
+        <p:spPr>
+          <a:xfrm>
+            <a:off x="2404104" y="6036186"/>
+            <a:ext cx="562975" cy="246221"/>
           </a:xfrm>
           <a:prstGeom prst="rect">
             <a:avLst/>
@@ -3931,11 +3947,25 @@
           <a:p>
             <a:pPr algn="r"/>
             <a:r>
-              <a:rPr lang="en-US" sz="1000" b="1" dirty="0">
-                <a:latin typeface="Arial" panose="020B0604020202020204" pitchFamily="34" charset="0"/>
-                <a:cs typeface="Arial" panose="020B0604020202020204" pitchFamily="34" charset="0"/>
-              </a:rPr>
-              <a:t>log RCVM</a:t>
+              <a:rPr lang="en-US" sz="1000" b="1">
+                <a:latin typeface="Arial" panose="020B0604020202020204" pitchFamily="34" charset="0"/>
+                <a:cs typeface="Arial" panose="020B0604020202020204" pitchFamily="34" charset="0"/>
+              </a:rPr>
+              <a:t>log </a:t>
+            </a:r>
+            <a:r>
+              <a:rPr lang="en-US" sz="1000" b="1" i="1">
+                <a:latin typeface="Arial" panose="020B0604020202020204" pitchFamily="34" charset="0"/>
+                <a:cs typeface="Arial" panose="020B0604020202020204" pitchFamily="34" charset="0"/>
+              </a:rPr>
+              <a:t>F</a:t>
+            </a:r>
+            <a:r>
+              <a:rPr lang="en-US" sz="1000" b="1" i="1" baseline="-25000">
+                <a:latin typeface="Arial" panose="020B0604020202020204" pitchFamily="34" charset="0"/>
+                <a:cs typeface="Arial" panose="020B0604020202020204" pitchFamily="34" charset="0"/>
+              </a:rPr>
+              <a:t>i/j</a:t>
             </a:r>
             <a:endParaRPr lang="en-US" sz="1000" b="1" baseline="-25000" dirty="0">
               <a:latin typeface="Arial" panose="020B0604020202020204" pitchFamily="34" charset="0"/>
@@ -3946,6 +3976,98 @@
       </p:sp>
       <p:sp>
         <p:nvSpPr>
+          <p:cNvPr id="16" name="TextBox 15">
+            <a:extLst>
+              <a:ext uri="{FF2B5EF4-FFF2-40B4-BE49-F238E27FC236}">
+                <a16:creationId xmlns:a16="http://schemas.microsoft.com/office/drawing/2014/main" id="{9E426D95-5B7D-90CD-B14E-1D3E47FA2475}"/>
+              </a:ext>
+            </a:extLst>
+          </p:cNvPr>
+          <p:cNvSpPr txBox="1"/>
+          <p:nvPr/>
+        </p:nvSpPr>
+        <p:spPr>
+          <a:xfrm>
+            <a:off x="2184491" y="6285956"/>
+            <a:ext cx="782587" cy="246221"/>
+          </a:xfrm>
+          <a:prstGeom prst="rect">
+            <a:avLst/>
+          </a:prstGeom>
+          <a:noFill/>
+          <a:ln>
+            <a:noFill/>
+          </a:ln>
+        </p:spPr>
+        <p:txBody>
+          <a:bodyPr wrap="none" rtlCol="0">
+            <a:spAutoFit/>
+          </a:bodyPr>
+          <a:lstStyle/>
+          <a:p>
+            <a:pPr algn="r"/>
+            <a:r>
+              <a:rPr lang="en-US" sz="1000" b="1" dirty="0">
+                <a:latin typeface="Arial" panose="020B0604020202020204" pitchFamily="34" charset="0"/>
+                <a:cs typeface="Arial" panose="020B0604020202020204" pitchFamily="34" charset="0"/>
+              </a:rPr>
+              <a:t>log RCVQ</a:t>
+            </a:r>
+            <a:endParaRPr lang="en-US" sz="1000" b="1" baseline="-25000" dirty="0">
+              <a:latin typeface="Arial" panose="020B0604020202020204" pitchFamily="34" charset="0"/>
+              <a:cs typeface="Arial" panose="020B0604020202020204" pitchFamily="34" charset="0"/>
+            </a:endParaRPr>
+          </a:p>
+        </p:txBody>
+      </p:sp>
+      <p:sp>
+        <p:nvSpPr>
+          <p:cNvPr id="17" name="TextBox 16">
+            <a:extLst>
+              <a:ext uri="{FF2B5EF4-FFF2-40B4-BE49-F238E27FC236}">
+                <a16:creationId xmlns:a16="http://schemas.microsoft.com/office/drawing/2014/main" id="{63771132-0CFA-000A-E362-D697B1E5C1A7}"/>
+              </a:ext>
+            </a:extLst>
+          </p:cNvPr>
+          <p:cNvSpPr txBox="1"/>
+          <p:nvPr/>
+        </p:nvSpPr>
+        <p:spPr>
+          <a:xfrm>
+            <a:off x="2176477" y="6532177"/>
+            <a:ext cx="790601" cy="246221"/>
+          </a:xfrm>
+          <a:prstGeom prst="rect">
+            <a:avLst/>
+          </a:prstGeom>
+          <a:noFill/>
+          <a:ln>
+            <a:noFill/>
+          </a:ln>
+        </p:spPr>
+        <p:txBody>
+          <a:bodyPr wrap="none" rtlCol="0">
+            <a:spAutoFit/>
+          </a:bodyPr>
+          <a:lstStyle/>
+          <a:p>
+            <a:pPr algn="r"/>
+            <a:r>
+              <a:rPr lang="en-US" sz="1000" b="1" dirty="0">
+                <a:latin typeface="Arial" panose="020B0604020202020204" pitchFamily="34" charset="0"/>
+                <a:cs typeface="Arial" panose="020B0604020202020204" pitchFamily="34" charset="0"/>
+              </a:rPr>
+              <a:t>log RCVM</a:t>
+            </a:r>
+            <a:endParaRPr lang="en-US" sz="1000" b="1" baseline="-25000" dirty="0">
+              <a:latin typeface="Arial" panose="020B0604020202020204" pitchFamily="34" charset="0"/>
+              <a:cs typeface="Arial" panose="020B0604020202020204" pitchFamily="34" charset="0"/>
+            </a:endParaRPr>
+          </a:p>
+        </p:txBody>
+      </p:sp>
+      <p:sp>
+        <p:nvSpPr>
           <p:cNvPr id="18" name="TextBox 17">
             <a:extLst>
               <a:ext uri="{FF2B5EF4-FFF2-40B4-BE49-F238E27FC236}">
@@ -4230,6 +4352,9 @@
             <a:pPr algn="ctr"/>
             <a:r>
               <a:rPr lang="en-US" sz="1000" dirty="0">
+                <a:solidFill>
+                  <a:srgbClr val="00B050"/>
+                </a:solidFill>
                 <a:latin typeface="Arial" panose="020B0604020202020204" pitchFamily="34" charset="0"/>
                 <a:cs typeface="Arial" panose="020B0604020202020204" pitchFamily="34" charset="0"/>
               </a:rPr>
@@ -4272,6 +4397,9 @@
             <a:pPr algn="ctr"/>
             <a:r>
               <a:rPr lang="en-US" sz="1000" dirty="0">
+                <a:solidFill>
+                  <a:srgbClr val="C00000"/>
+                </a:solidFill>
                 <a:latin typeface="Arial" panose="020B0604020202020204" pitchFamily="34" charset="0"/>
                 <a:cs typeface="Arial" panose="020B0604020202020204" pitchFamily="34" charset="0"/>
               </a:rPr>
@@ -4286,6 +4414,3414 @@
             <a:extLst>
               <a:ext uri="{FF2B5EF4-FFF2-40B4-BE49-F238E27FC236}">
                 <a16:creationId xmlns:a16="http://schemas.microsoft.com/office/drawing/2014/main" id="{7DDC8BBA-71AF-9109-4F60-C499CC568F01}"/>
+              </a:ext>
+            </a:extLst>
+          </p:cNvPr>
+          <p:cNvSpPr txBox="1"/>
+          <p:nvPr/>
+        </p:nvSpPr>
+        <p:spPr>
+          <a:xfrm>
+            <a:off x="3110519" y="6803294"/>
+            <a:ext cx="1227845" cy="246221"/>
+          </a:xfrm>
+          <a:prstGeom prst="rect">
+            <a:avLst/>
+          </a:prstGeom>
+          <a:solidFill>
+            <a:schemeClr val="bg1">
+              <a:lumMod val="65000"/>
+              <a:alpha val="50196"/>
+            </a:schemeClr>
+          </a:solidFill>
+          <a:ln>
+            <a:noFill/>
+          </a:ln>
+        </p:spPr>
+        <p:txBody>
+          <a:bodyPr wrap="square" rtlCol="0">
+            <a:spAutoFit/>
+          </a:bodyPr>
+          <a:lstStyle/>
+          <a:p>
+            <a:pPr algn="ctr"/>
+            <a:r>
+              <a:rPr lang="en-US" sz="1000" b="1" dirty="0">
+                <a:latin typeface="Arial" panose="020B0604020202020204" pitchFamily="34" charset="0"/>
+                <a:cs typeface="Arial" panose="020B0604020202020204" pitchFamily="34" charset="0"/>
+              </a:rPr>
+              <a:t>Correct</a:t>
+            </a:r>
+          </a:p>
+        </p:txBody>
+      </p:sp>
+      <p:sp>
+        <p:nvSpPr>
+          <p:cNvPr id="27" name="TextBox 26">
+            <a:extLst>
+              <a:ext uri="{FF2B5EF4-FFF2-40B4-BE49-F238E27FC236}">
+                <a16:creationId xmlns:a16="http://schemas.microsoft.com/office/drawing/2014/main" id="{AFC58E3E-5314-28FE-D608-F093890A2682}"/>
+              </a:ext>
+            </a:extLst>
+          </p:cNvPr>
+          <p:cNvSpPr txBox="1"/>
+          <p:nvPr/>
+        </p:nvSpPr>
+        <p:spPr>
+          <a:xfrm>
+            <a:off x="4562295" y="6803294"/>
+            <a:ext cx="1196422" cy="246221"/>
+          </a:xfrm>
+          <a:prstGeom prst="rect">
+            <a:avLst/>
+          </a:prstGeom>
+          <a:solidFill>
+            <a:srgbClr val="B30000">
+              <a:alpha val="50196"/>
+            </a:srgbClr>
+          </a:solidFill>
+          <a:ln>
+            <a:noFill/>
+          </a:ln>
+        </p:spPr>
+        <p:txBody>
+          <a:bodyPr wrap="square" rtlCol="0">
+            <a:spAutoFit/>
+          </a:bodyPr>
+          <a:lstStyle/>
+          <a:p>
+            <a:pPr algn="ctr"/>
+            <a:r>
+              <a:rPr lang="en-US" sz="1000" b="1" dirty="0">
+                <a:latin typeface="Arial" panose="020B0604020202020204" pitchFamily="34" charset="0"/>
+                <a:cs typeface="Arial" panose="020B0604020202020204" pitchFamily="34" charset="0"/>
+              </a:rPr>
+              <a:t>Incorrect</a:t>
+            </a:r>
+          </a:p>
+        </p:txBody>
+      </p:sp>
+      <p:sp>
+        <p:nvSpPr>
+          <p:cNvPr id="31" name="TextBox 30">
+            <a:extLst>
+              <a:ext uri="{FF2B5EF4-FFF2-40B4-BE49-F238E27FC236}">
+                <a16:creationId xmlns:a16="http://schemas.microsoft.com/office/drawing/2014/main" id="{883018CF-B463-AD0E-F915-F098E42711ED}"/>
+              </a:ext>
+            </a:extLst>
+          </p:cNvPr>
+          <p:cNvSpPr txBox="1"/>
+          <p:nvPr/>
+        </p:nvSpPr>
+        <p:spPr>
+          <a:xfrm>
+            <a:off x="3191011" y="5792516"/>
+            <a:ext cx="1066863" cy="246221"/>
+          </a:xfrm>
+          <a:prstGeom prst="rect">
+            <a:avLst/>
+          </a:prstGeom>
+          <a:noFill/>
+          <a:ln>
+            <a:noFill/>
+          </a:ln>
+        </p:spPr>
+        <p:txBody>
+          <a:bodyPr wrap="square" rtlCol="0">
+            <a:spAutoFit/>
+          </a:bodyPr>
+          <a:lstStyle/>
+          <a:p>
+            <a:pPr algn="ctr"/>
+            <a:r>
+              <a:rPr lang="en-US" sz="1000" dirty="0">
+                <a:solidFill>
+                  <a:srgbClr val="00B050"/>
+                </a:solidFill>
+                <a:latin typeface="Arial" panose="020B0604020202020204" pitchFamily="34" charset="0"/>
+                <a:cs typeface="Arial" panose="020B0604020202020204" pitchFamily="34" charset="0"/>
+              </a:rPr>
+              <a:t>0</a:t>
+            </a:r>
+          </a:p>
+        </p:txBody>
+      </p:sp>
+      <p:sp>
+        <p:nvSpPr>
+          <p:cNvPr id="32" name="TextBox 31">
+            <a:extLst>
+              <a:ext uri="{FF2B5EF4-FFF2-40B4-BE49-F238E27FC236}">
+                <a16:creationId xmlns:a16="http://schemas.microsoft.com/office/drawing/2014/main" id="{D805F7AF-E1B3-9D78-551F-6D429E1834BF}"/>
+              </a:ext>
+            </a:extLst>
+          </p:cNvPr>
+          <p:cNvSpPr txBox="1"/>
+          <p:nvPr/>
+        </p:nvSpPr>
+        <p:spPr>
+          <a:xfrm>
+            <a:off x="4629292" y="5792516"/>
+            <a:ext cx="1066863" cy="246221"/>
+          </a:xfrm>
+          <a:prstGeom prst="rect">
+            <a:avLst/>
+          </a:prstGeom>
+          <a:noFill/>
+          <a:ln>
+            <a:noFill/>
+          </a:ln>
+        </p:spPr>
+        <p:txBody>
+          <a:bodyPr wrap="square" rtlCol="0">
+            <a:spAutoFit/>
+          </a:bodyPr>
+          <a:lstStyle/>
+          <a:p>
+            <a:pPr algn="ctr"/>
+            <a:r>
+              <a:rPr lang="en-US" sz="1000" dirty="0">
+                <a:solidFill>
+                  <a:srgbClr val="C00000"/>
+                </a:solidFill>
+                <a:latin typeface="Arial" panose="020B0604020202020204" pitchFamily="34" charset="0"/>
+                <a:cs typeface="Arial" panose="020B0604020202020204" pitchFamily="34" charset="0"/>
+              </a:rPr>
+              <a:t>1.19</a:t>
+            </a:r>
+          </a:p>
+        </p:txBody>
+      </p:sp>
+      <p:sp>
+        <p:nvSpPr>
+          <p:cNvPr id="33" name="TextBox 32">
+            <a:extLst>
+              <a:ext uri="{FF2B5EF4-FFF2-40B4-BE49-F238E27FC236}">
+                <a16:creationId xmlns:a16="http://schemas.microsoft.com/office/drawing/2014/main" id="{0BF0EC1A-7CDD-C5D8-84B9-3B1633FD812D}"/>
+              </a:ext>
+            </a:extLst>
+          </p:cNvPr>
+          <p:cNvSpPr txBox="1"/>
+          <p:nvPr/>
+        </p:nvSpPr>
+        <p:spPr>
+          <a:xfrm>
+            <a:off x="3191011" y="6046516"/>
+            <a:ext cx="1066863" cy="246221"/>
+          </a:xfrm>
+          <a:prstGeom prst="rect">
+            <a:avLst/>
+          </a:prstGeom>
+          <a:noFill/>
+          <a:ln>
+            <a:noFill/>
+          </a:ln>
+        </p:spPr>
+        <p:txBody>
+          <a:bodyPr wrap="square" rtlCol="0">
+            <a:spAutoFit/>
+          </a:bodyPr>
+          <a:lstStyle/>
+          <a:p>
+            <a:pPr algn="ctr"/>
+            <a:r>
+              <a:rPr lang="en-US" sz="1000" dirty="0">
+                <a:solidFill>
+                  <a:srgbClr val="00B050"/>
+                </a:solidFill>
+                <a:latin typeface="Arial" panose="020B0604020202020204" pitchFamily="34" charset="0"/>
+                <a:cs typeface="Arial" panose="020B0604020202020204" pitchFamily="34" charset="0"/>
+              </a:rPr>
+              <a:t>0</a:t>
+            </a:r>
+          </a:p>
+        </p:txBody>
+      </p:sp>
+      <p:sp>
+        <p:nvSpPr>
+          <p:cNvPr id="34" name="TextBox 33">
+            <a:extLst>
+              <a:ext uri="{FF2B5EF4-FFF2-40B4-BE49-F238E27FC236}">
+                <a16:creationId xmlns:a16="http://schemas.microsoft.com/office/drawing/2014/main" id="{BCA4C65F-286C-9AC4-EF6D-47D8CDD4DFC7}"/>
+              </a:ext>
+            </a:extLst>
+          </p:cNvPr>
+          <p:cNvSpPr txBox="1"/>
+          <p:nvPr/>
+        </p:nvSpPr>
+        <p:spPr>
+          <a:xfrm>
+            <a:off x="4629292" y="6046516"/>
+            <a:ext cx="1066863" cy="246221"/>
+          </a:xfrm>
+          <a:prstGeom prst="rect">
+            <a:avLst/>
+          </a:prstGeom>
+          <a:noFill/>
+          <a:ln>
+            <a:noFill/>
+          </a:ln>
+        </p:spPr>
+        <p:txBody>
+          <a:bodyPr wrap="square" rtlCol="0">
+            <a:spAutoFit/>
+          </a:bodyPr>
+          <a:lstStyle/>
+          <a:p>
+            <a:pPr algn="ctr"/>
+            <a:r>
+              <a:rPr lang="en-US" sz="1000" dirty="0">
+                <a:solidFill>
+                  <a:srgbClr val="C00000"/>
+                </a:solidFill>
+                <a:latin typeface="Arial" panose="020B0604020202020204" pitchFamily="34" charset="0"/>
+                <a:cs typeface="Arial" panose="020B0604020202020204" pitchFamily="34" charset="0"/>
+              </a:rPr>
+              <a:t>0.17</a:t>
+            </a:r>
+          </a:p>
+        </p:txBody>
+      </p:sp>
+      <p:sp>
+        <p:nvSpPr>
+          <p:cNvPr id="35" name="TextBox 34">
+            <a:extLst>
+              <a:ext uri="{FF2B5EF4-FFF2-40B4-BE49-F238E27FC236}">
+                <a16:creationId xmlns:a16="http://schemas.microsoft.com/office/drawing/2014/main" id="{25028200-1D15-8DF1-EA88-0651B77009A8}"/>
+              </a:ext>
+            </a:extLst>
+          </p:cNvPr>
+          <p:cNvSpPr txBox="1"/>
+          <p:nvPr/>
+        </p:nvSpPr>
+        <p:spPr>
+          <a:xfrm>
+            <a:off x="3191011" y="6290991"/>
+            <a:ext cx="1066863" cy="246221"/>
+          </a:xfrm>
+          <a:prstGeom prst="rect">
+            <a:avLst/>
+          </a:prstGeom>
+          <a:noFill/>
+          <a:ln>
+            <a:noFill/>
+          </a:ln>
+        </p:spPr>
+        <p:txBody>
+          <a:bodyPr wrap="square" rtlCol="0">
+            <a:spAutoFit/>
+          </a:bodyPr>
+          <a:lstStyle/>
+          <a:p>
+            <a:pPr algn="ctr"/>
+            <a:r>
+              <a:rPr lang="en-US" sz="1000" dirty="0" err="1">
+                <a:solidFill>
+                  <a:srgbClr val="00B050"/>
+                </a:solidFill>
+                <a:latin typeface="Arial" panose="020B0604020202020204" pitchFamily="34" charset="0"/>
+                <a:cs typeface="Arial" panose="020B0604020202020204" pitchFamily="34" charset="0"/>
+              </a:rPr>
+              <a:t>NaN</a:t>
+            </a:r>
+            <a:endParaRPr lang="en-US" sz="1000" dirty="0">
+              <a:solidFill>
+                <a:srgbClr val="00B050"/>
+              </a:solidFill>
+              <a:latin typeface="Arial" panose="020B0604020202020204" pitchFamily="34" charset="0"/>
+              <a:cs typeface="Arial" panose="020B0604020202020204" pitchFamily="34" charset="0"/>
+            </a:endParaRPr>
+          </a:p>
+        </p:txBody>
+      </p:sp>
+      <p:sp>
+        <p:nvSpPr>
+          <p:cNvPr id="36" name="TextBox 35">
+            <a:extLst>
+              <a:ext uri="{FF2B5EF4-FFF2-40B4-BE49-F238E27FC236}">
+                <a16:creationId xmlns:a16="http://schemas.microsoft.com/office/drawing/2014/main" id="{5FE06422-099E-A51D-9908-48F739F9290A}"/>
+              </a:ext>
+            </a:extLst>
+          </p:cNvPr>
+          <p:cNvSpPr txBox="1"/>
+          <p:nvPr/>
+        </p:nvSpPr>
+        <p:spPr>
+          <a:xfrm>
+            <a:off x="4629292" y="6290991"/>
+            <a:ext cx="1066863" cy="246221"/>
+          </a:xfrm>
+          <a:prstGeom prst="rect">
+            <a:avLst/>
+          </a:prstGeom>
+          <a:noFill/>
+          <a:ln>
+            <a:noFill/>
+          </a:ln>
+        </p:spPr>
+        <p:txBody>
+          <a:bodyPr wrap="square" rtlCol="0">
+            <a:spAutoFit/>
+          </a:bodyPr>
+          <a:lstStyle/>
+          <a:p>
+            <a:pPr algn="ctr"/>
+            <a:r>
+              <a:rPr lang="en-US" sz="1000" dirty="0">
+                <a:solidFill>
+                  <a:srgbClr val="C00000"/>
+                </a:solidFill>
+                <a:latin typeface="Arial" panose="020B0604020202020204" pitchFamily="34" charset="0"/>
+                <a:cs typeface="Arial" panose="020B0604020202020204" pitchFamily="34" charset="0"/>
+              </a:rPr>
+              <a:t>–0.54</a:t>
+            </a:r>
+          </a:p>
+        </p:txBody>
+      </p:sp>
+      <p:sp>
+        <p:nvSpPr>
+          <p:cNvPr id="37" name="TextBox 36">
+            <a:extLst>
+              <a:ext uri="{FF2B5EF4-FFF2-40B4-BE49-F238E27FC236}">
+                <a16:creationId xmlns:a16="http://schemas.microsoft.com/office/drawing/2014/main" id="{30368F84-3E8F-E973-249D-42F56372B7ED}"/>
+              </a:ext>
+            </a:extLst>
+          </p:cNvPr>
+          <p:cNvSpPr txBox="1"/>
+          <p:nvPr/>
+        </p:nvSpPr>
+        <p:spPr>
+          <a:xfrm>
+            <a:off x="3191011" y="6544991"/>
+            <a:ext cx="1066863" cy="246221"/>
+          </a:xfrm>
+          <a:prstGeom prst="rect">
+            <a:avLst/>
+          </a:prstGeom>
+          <a:noFill/>
+          <a:ln>
+            <a:noFill/>
+          </a:ln>
+        </p:spPr>
+        <p:txBody>
+          <a:bodyPr wrap="square" rtlCol="0">
+            <a:spAutoFit/>
+          </a:bodyPr>
+          <a:lstStyle/>
+          <a:p>
+            <a:pPr algn="ctr"/>
+            <a:r>
+              <a:rPr lang="en-US" sz="1000" dirty="0" err="1">
+                <a:solidFill>
+                  <a:srgbClr val="00B050"/>
+                </a:solidFill>
+                <a:latin typeface="Arial" panose="020B0604020202020204" pitchFamily="34" charset="0"/>
+                <a:cs typeface="Arial" panose="020B0604020202020204" pitchFamily="34" charset="0"/>
+              </a:rPr>
+              <a:t>NaN</a:t>
+            </a:r>
+            <a:endParaRPr lang="en-US" sz="1000" dirty="0">
+              <a:solidFill>
+                <a:srgbClr val="00B050"/>
+              </a:solidFill>
+              <a:latin typeface="Arial" panose="020B0604020202020204" pitchFamily="34" charset="0"/>
+              <a:cs typeface="Arial" panose="020B0604020202020204" pitchFamily="34" charset="0"/>
+            </a:endParaRPr>
+          </a:p>
+        </p:txBody>
+      </p:sp>
+      <p:sp>
+        <p:nvSpPr>
+          <p:cNvPr id="38" name="TextBox 37">
+            <a:extLst>
+              <a:ext uri="{FF2B5EF4-FFF2-40B4-BE49-F238E27FC236}">
+                <a16:creationId xmlns:a16="http://schemas.microsoft.com/office/drawing/2014/main" id="{9E4C23CF-7D6D-2E36-127D-748EA758ACE3}"/>
+              </a:ext>
+            </a:extLst>
+          </p:cNvPr>
+          <p:cNvSpPr txBox="1"/>
+          <p:nvPr/>
+        </p:nvSpPr>
+        <p:spPr>
+          <a:xfrm>
+            <a:off x="4629292" y="6544991"/>
+            <a:ext cx="1066863" cy="246221"/>
+          </a:xfrm>
+          <a:prstGeom prst="rect">
+            <a:avLst/>
+          </a:prstGeom>
+          <a:noFill/>
+          <a:ln>
+            <a:noFill/>
+          </a:ln>
+        </p:spPr>
+        <p:txBody>
+          <a:bodyPr wrap="square" rtlCol="0">
+            <a:spAutoFit/>
+          </a:bodyPr>
+          <a:lstStyle/>
+          <a:p>
+            <a:pPr algn="ctr"/>
+            <a:r>
+              <a:rPr lang="en-US" sz="1000" dirty="0">
+                <a:solidFill>
+                  <a:srgbClr val="C00000"/>
+                </a:solidFill>
+                <a:latin typeface="Arial" panose="020B0604020202020204" pitchFamily="34" charset="0"/>
+                <a:cs typeface="Arial" panose="020B0604020202020204" pitchFamily="34" charset="0"/>
+              </a:rPr>
+              <a:t>0.33</a:t>
+            </a:r>
+          </a:p>
+        </p:txBody>
+      </p:sp>
+      <p:sp>
+        <p:nvSpPr>
+          <p:cNvPr id="7" name="TextBox 6">
+            <a:extLst>
+              <a:ext uri="{FF2B5EF4-FFF2-40B4-BE49-F238E27FC236}">
+                <a16:creationId xmlns:a16="http://schemas.microsoft.com/office/drawing/2014/main" id="{A66EE19A-B3F2-FB5D-FCC6-73E571886704}"/>
+              </a:ext>
+            </a:extLst>
+          </p:cNvPr>
+          <p:cNvSpPr txBox="1"/>
+          <p:nvPr/>
+        </p:nvSpPr>
+        <p:spPr>
+          <a:xfrm>
+            <a:off x="6130135" y="4558348"/>
+            <a:ext cx="1066863" cy="246221"/>
+          </a:xfrm>
+          <a:prstGeom prst="rect">
+            <a:avLst/>
+          </a:prstGeom>
+          <a:noFill/>
+          <a:ln>
+            <a:noFill/>
+          </a:ln>
+        </p:spPr>
+        <p:txBody>
+          <a:bodyPr wrap="square" rtlCol="0">
+            <a:spAutoFit/>
+          </a:bodyPr>
+          <a:lstStyle/>
+          <a:p>
+            <a:pPr algn="ctr"/>
+            <a:r>
+              <a:rPr lang="en-US" sz="1000" dirty="0">
+                <a:latin typeface="Arial" panose="020B0604020202020204" pitchFamily="34" charset="0"/>
+                <a:cs typeface="Arial" panose="020B0604020202020204" pitchFamily="34" charset="0"/>
+              </a:rPr>
+              <a:t>Point plot</a:t>
+            </a:r>
+          </a:p>
+        </p:txBody>
+      </p:sp>
+      <p:sp>
+        <p:nvSpPr>
+          <p:cNvPr id="10" name="TextBox 9">
+            <a:extLst>
+              <a:ext uri="{FF2B5EF4-FFF2-40B4-BE49-F238E27FC236}">
+                <a16:creationId xmlns:a16="http://schemas.microsoft.com/office/drawing/2014/main" id="{AD766AF9-1BE5-FFE4-69CC-F6C019AEBDB6}"/>
+              </a:ext>
+            </a:extLst>
+          </p:cNvPr>
+          <p:cNvSpPr txBox="1"/>
+          <p:nvPr/>
+        </p:nvSpPr>
+        <p:spPr>
+          <a:xfrm>
+            <a:off x="6089678" y="4805881"/>
+            <a:ext cx="1143148" cy="246221"/>
+          </a:xfrm>
+          <a:prstGeom prst="rect">
+            <a:avLst/>
+          </a:prstGeom>
+          <a:noFill/>
+          <a:ln>
+            <a:noFill/>
+          </a:ln>
+        </p:spPr>
+        <p:txBody>
+          <a:bodyPr wrap="square" rtlCol="0">
+            <a:spAutoFit/>
+          </a:bodyPr>
+          <a:lstStyle/>
+          <a:p>
+            <a:pPr algn="ctr"/>
+            <a:r>
+              <a:rPr lang="en-US" sz="1000" dirty="0">
+                <a:latin typeface="Arial" panose="020B0604020202020204" pitchFamily="34" charset="0"/>
+                <a:cs typeface="Arial" panose="020B0604020202020204" pitchFamily="34" charset="0"/>
+              </a:rPr>
+              <a:t>Original</a:t>
+            </a:r>
+          </a:p>
+        </p:txBody>
+      </p:sp>
+      <p:sp>
+        <p:nvSpPr>
+          <p:cNvPr id="11" name="TextBox 10">
+            <a:extLst>
+              <a:ext uri="{FF2B5EF4-FFF2-40B4-BE49-F238E27FC236}">
+                <a16:creationId xmlns:a16="http://schemas.microsoft.com/office/drawing/2014/main" id="{C20ECA47-BDE9-052A-5BC5-58AFB0CB34CC}"/>
+              </a:ext>
+            </a:extLst>
+          </p:cNvPr>
+          <p:cNvSpPr txBox="1"/>
+          <p:nvPr/>
+        </p:nvSpPr>
+        <p:spPr>
+          <a:xfrm>
+            <a:off x="6130135" y="5048973"/>
+            <a:ext cx="1066863" cy="246221"/>
+          </a:xfrm>
+          <a:prstGeom prst="rect">
+            <a:avLst/>
+          </a:prstGeom>
+          <a:noFill/>
+          <a:ln>
+            <a:noFill/>
+          </a:ln>
+        </p:spPr>
+        <p:txBody>
+          <a:bodyPr wrap="square" rtlCol="0">
+            <a:spAutoFit/>
+          </a:bodyPr>
+          <a:lstStyle/>
+          <a:p>
+            <a:pPr algn="ctr"/>
+            <a:r>
+              <a:rPr lang="en-US" sz="1000" dirty="0">
+                <a:latin typeface="Arial" panose="020B0604020202020204" pitchFamily="34" charset="0"/>
+                <a:cs typeface="Arial" panose="020B0604020202020204" pitchFamily="34" charset="0"/>
+              </a:rPr>
+              <a:t>Linear</a:t>
+            </a:r>
+          </a:p>
+        </p:txBody>
+      </p:sp>
+      <p:sp>
+        <p:nvSpPr>
+          <p:cNvPr id="28" name="TextBox 27">
+            <a:extLst>
+              <a:ext uri="{FF2B5EF4-FFF2-40B4-BE49-F238E27FC236}">
+                <a16:creationId xmlns:a16="http://schemas.microsoft.com/office/drawing/2014/main" id="{A6445AAF-81D5-66A7-371C-2117282F66E3}"/>
+              </a:ext>
+            </a:extLst>
+          </p:cNvPr>
+          <p:cNvSpPr txBox="1"/>
+          <p:nvPr/>
+        </p:nvSpPr>
+        <p:spPr>
+          <a:xfrm>
+            <a:off x="6130135" y="5299796"/>
+            <a:ext cx="1066863" cy="246221"/>
+          </a:xfrm>
+          <a:prstGeom prst="rect">
+            <a:avLst/>
+          </a:prstGeom>
+          <a:noFill/>
+          <a:ln>
+            <a:noFill/>
+          </a:ln>
+        </p:spPr>
+        <p:txBody>
+          <a:bodyPr wrap="square" rtlCol="0">
+            <a:spAutoFit/>
+          </a:bodyPr>
+          <a:lstStyle/>
+          <a:p>
+            <a:pPr algn="ctr"/>
+            <a:r>
+              <a:rPr lang="en-US" sz="1000" dirty="0">
+                <a:latin typeface="Arial" panose="020B0604020202020204" pitchFamily="34" charset="0"/>
+                <a:cs typeface="Arial" panose="020B0604020202020204" pitchFamily="34" charset="0"/>
+              </a:rPr>
+              <a:t>True</a:t>
+            </a:r>
+          </a:p>
+        </p:txBody>
+      </p:sp>
+      <p:sp>
+        <p:nvSpPr>
+          <p:cNvPr id="29" name="TextBox 28">
+            <a:extLst>
+              <a:ext uri="{FF2B5EF4-FFF2-40B4-BE49-F238E27FC236}">
+                <a16:creationId xmlns:a16="http://schemas.microsoft.com/office/drawing/2014/main" id="{D03591A9-6017-3942-50DD-AEE54E9AEEC8}"/>
+              </a:ext>
+            </a:extLst>
+          </p:cNvPr>
+          <p:cNvSpPr txBox="1"/>
+          <p:nvPr/>
+        </p:nvSpPr>
+        <p:spPr>
+          <a:xfrm>
+            <a:off x="6030241" y="6803294"/>
+            <a:ext cx="1260230" cy="246221"/>
+          </a:xfrm>
+          <a:prstGeom prst="rect">
+            <a:avLst/>
+          </a:prstGeom>
+          <a:solidFill>
+            <a:srgbClr val="00B050">
+              <a:alpha val="50196"/>
+            </a:srgbClr>
+          </a:solidFill>
+          <a:ln>
+            <a:noFill/>
+          </a:ln>
+        </p:spPr>
+        <p:txBody>
+          <a:bodyPr wrap="square" rtlCol="0">
+            <a:spAutoFit/>
+          </a:bodyPr>
+          <a:lstStyle/>
+          <a:p>
+            <a:pPr algn="ctr"/>
+            <a:r>
+              <a:rPr lang="en-US" sz="1000" b="1" dirty="0">
+                <a:latin typeface="Arial" panose="020B0604020202020204" pitchFamily="34" charset="0"/>
+                <a:cs typeface="Arial" panose="020B0604020202020204" pitchFamily="34" charset="0"/>
+              </a:rPr>
+              <a:t>Recommended</a:t>
+            </a:r>
+          </a:p>
+        </p:txBody>
+      </p:sp>
+      <p:sp>
+        <p:nvSpPr>
+          <p:cNvPr id="30" name="TextBox 29">
+            <a:extLst>
+              <a:ext uri="{FF2B5EF4-FFF2-40B4-BE49-F238E27FC236}">
+                <a16:creationId xmlns:a16="http://schemas.microsoft.com/office/drawing/2014/main" id="{C00EA236-935F-EF6C-4ED4-8AF73DE70985}"/>
+              </a:ext>
+            </a:extLst>
+          </p:cNvPr>
+          <p:cNvSpPr txBox="1"/>
+          <p:nvPr/>
+        </p:nvSpPr>
+        <p:spPr>
+          <a:xfrm>
+            <a:off x="6130135" y="5792516"/>
+            <a:ext cx="1066863" cy="246221"/>
+          </a:xfrm>
+          <a:prstGeom prst="rect">
+            <a:avLst/>
+          </a:prstGeom>
+          <a:noFill/>
+          <a:ln>
+            <a:noFill/>
+          </a:ln>
+        </p:spPr>
+        <p:txBody>
+          <a:bodyPr wrap="square" rtlCol="0">
+            <a:spAutoFit/>
+          </a:bodyPr>
+          <a:lstStyle/>
+          <a:p>
+            <a:pPr algn="ctr"/>
+            <a:r>
+              <a:rPr lang="en-US" sz="1000" dirty="0">
+                <a:latin typeface="Arial" panose="020B0604020202020204" pitchFamily="34" charset="0"/>
+                <a:cs typeface="Arial" panose="020B0604020202020204" pitchFamily="34" charset="0"/>
+              </a:rPr>
+              <a:t>N/A</a:t>
+            </a:r>
+          </a:p>
+        </p:txBody>
+      </p:sp>
+      <p:sp>
+        <p:nvSpPr>
+          <p:cNvPr id="39" name="TextBox 38">
+            <a:extLst>
+              <a:ext uri="{FF2B5EF4-FFF2-40B4-BE49-F238E27FC236}">
+                <a16:creationId xmlns:a16="http://schemas.microsoft.com/office/drawing/2014/main" id="{97492F51-0387-1CD9-040A-C9D874054716}"/>
+              </a:ext>
+            </a:extLst>
+          </p:cNvPr>
+          <p:cNvSpPr txBox="1"/>
+          <p:nvPr/>
+        </p:nvSpPr>
+        <p:spPr>
+          <a:xfrm>
+            <a:off x="6130135" y="6046516"/>
+            <a:ext cx="1066863" cy="246221"/>
+          </a:xfrm>
+          <a:prstGeom prst="rect">
+            <a:avLst/>
+          </a:prstGeom>
+          <a:noFill/>
+          <a:ln>
+            <a:noFill/>
+          </a:ln>
+        </p:spPr>
+        <p:txBody>
+          <a:bodyPr wrap="square" rtlCol="0">
+            <a:spAutoFit/>
+          </a:bodyPr>
+          <a:lstStyle/>
+          <a:p>
+            <a:pPr algn="ctr"/>
+            <a:r>
+              <a:rPr lang="en-US" sz="1000" dirty="0">
+                <a:latin typeface="Arial" panose="020B0604020202020204" pitchFamily="34" charset="0"/>
+                <a:cs typeface="Arial" panose="020B0604020202020204" pitchFamily="34" charset="0"/>
+              </a:rPr>
+              <a:t>N/A</a:t>
+            </a:r>
+          </a:p>
+        </p:txBody>
+      </p:sp>
+      <p:sp>
+        <p:nvSpPr>
+          <p:cNvPr id="40" name="TextBox 39">
+            <a:extLst>
+              <a:ext uri="{FF2B5EF4-FFF2-40B4-BE49-F238E27FC236}">
+                <a16:creationId xmlns:a16="http://schemas.microsoft.com/office/drawing/2014/main" id="{4558B6B8-8D44-79EC-AACE-B90F1076AD52}"/>
+              </a:ext>
+            </a:extLst>
+          </p:cNvPr>
+          <p:cNvSpPr txBox="1"/>
+          <p:nvPr/>
+        </p:nvSpPr>
+        <p:spPr>
+          <a:xfrm>
+            <a:off x="6130135" y="6290991"/>
+            <a:ext cx="1066863" cy="246221"/>
+          </a:xfrm>
+          <a:prstGeom prst="rect">
+            <a:avLst/>
+          </a:prstGeom>
+          <a:noFill/>
+          <a:ln>
+            <a:noFill/>
+          </a:ln>
+        </p:spPr>
+        <p:txBody>
+          <a:bodyPr wrap="square" rtlCol="0">
+            <a:spAutoFit/>
+          </a:bodyPr>
+          <a:lstStyle/>
+          <a:p>
+            <a:pPr algn="ctr"/>
+            <a:r>
+              <a:rPr lang="en-US" sz="1000" dirty="0">
+                <a:latin typeface="Arial" panose="020B0604020202020204" pitchFamily="34" charset="0"/>
+                <a:cs typeface="Arial" panose="020B0604020202020204" pitchFamily="34" charset="0"/>
+              </a:rPr>
+              <a:t>N/A</a:t>
+            </a:r>
+          </a:p>
+        </p:txBody>
+      </p:sp>
+      <p:sp>
+        <p:nvSpPr>
+          <p:cNvPr id="41" name="TextBox 40">
+            <a:extLst>
+              <a:ext uri="{FF2B5EF4-FFF2-40B4-BE49-F238E27FC236}">
+                <a16:creationId xmlns:a16="http://schemas.microsoft.com/office/drawing/2014/main" id="{50450F6F-3F27-1654-7693-7A115666AB73}"/>
+              </a:ext>
+            </a:extLst>
+          </p:cNvPr>
+          <p:cNvSpPr txBox="1"/>
+          <p:nvPr/>
+        </p:nvSpPr>
+        <p:spPr>
+          <a:xfrm>
+            <a:off x="6130135" y="6544991"/>
+            <a:ext cx="1066863" cy="246221"/>
+          </a:xfrm>
+          <a:prstGeom prst="rect">
+            <a:avLst/>
+          </a:prstGeom>
+          <a:noFill/>
+          <a:ln>
+            <a:noFill/>
+          </a:ln>
+        </p:spPr>
+        <p:txBody>
+          <a:bodyPr wrap="square" rtlCol="0">
+            <a:spAutoFit/>
+          </a:bodyPr>
+          <a:lstStyle/>
+          <a:p>
+            <a:pPr algn="ctr"/>
+            <a:r>
+              <a:rPr lang="en-US" sz="1000" dirty="0">
+                <a:latin typeface="Arial" panose="020B0604020202020204" pitchFamily="34" charset="0"/>
+                <a:cs typeface="Arial" panose="020B0604020202020204" pitchFamily="34" charset="0"/>
+              </a:rPr>
+              <a:t>N/A</a:t>
+            </a:r>
+          </a:p>
+        </p:txBody>
+      </p:sp>
+      <p:sp>
+        <p:nvSpPr>
+          <p:cNvPr id="42" name="TextBox 41">
+            <a:extLst>
+              <a:ext uri="{FF2B5EF4-FFF2-40B4-BE49-F238E27FC236}">
+                <a16:creationId xmlns:a16="http://schemas.microsoft.com/office/drawing/2014/main" id="{783904B1-EE41-9317-A74A-36BDE6397A76}"/>
+              </a:ext>
+            </a:extLst>
+          </p:cNvPr>
+          <p:cNvSpPr txBox="1"/>
+          <p:nvPr/>
+        </p:nvSpPr>
+        <p:spPr>
+          <a:xfrm>
+            <a:off x="8181490" y="4558348"/>
+            <a:ext cx="1066863" cy="246221"/>
+          </a:xfrm>
+          <a:prstGeom prst="rect">
+            <a:avLst/>
+          </a:prstGeom>
+          <a:noFill/>
+          <a:ln>
+            <a:noFill/>
+          </a:ln>
+        </p:spPr>
+        <p:txBody>
+          <a:bodyPr wrap="square" rtlCol="0">
+            <a:spAutoFit/>
+          </a:bodyPr>
+          <a:lstStyle/>
+          <a:p>
+            <a:pPr algn="ctr"/>
+            <a:r>
+              <a:rPr lang="en-US" sz="1000" dirty="0">
+                <a:latin typeface="Arial" panose="020B0604020202020204" pitchFamily="34" charset="0"/>
+                <a:cs typeface="Arial" panose="020B0604020202020204" pitchFamily="34" charset="0"/>
+              </a:rPr>
+              <a:t>Bar graph</a:t>
+            </a:r>
+          </a:p>
+        </p:txBody>
+      </p:sp>
+      <p:sp>
+        <p:nvSpPr>
+          <p:cNvPr id="43" name="TextBox 42">
+            <a:extLst>
+              <a:ext uri="{FF2B5EF4-FFF2-40B4-BE49-F238E27FC236}">
+                <a16:creationId xmlns:a16="http://schemas.microsoft.com/office/drawing/2014/main" id="{323A3040-AB5D-A613-B519-343604999D1E}"/>
+              </a:ext>
+            </a:extLst>
+          </p:cNvPr>
+          <p:cNvSpPr txBox="1"/>
+          <p:nvPr/>
+        </p:nvSpPr>
+        <p:spPr>
+          <a:xfrm>
+            <a:off x="8181490" y="4805881"/>
+            <a:ext cx="1066863" cy="246221"/>
+          </a:xfrm>
+          <a:prstGeom prst="rect">
+            <a:avLst/>
+          </a:prstGeom>
+          <a:noFill/>
+          <a:ln>
+            <a:noFill/>
+          </a:ln>
+        </p:spPr>
+        <p:txBody>
+          <a:bodyPr wrap="square" rtlCol="0">
+            <a:spAutoFit/>
+          </a:bodyPr>
+          <a:lstStyle/>
+          <a:p>
+            <a:pPr algn="ctr"/>
+            <a:r>
+              <a:rPr lang="en-US" sz="1000" dirty="0">
+                <a:latin typeface="Arial" panose="020B0604020202020204" pitchFamily="34" charset="0"/>
+                <a:cs typeface="Arial" panose="020B0604020202020204" pitchFamily="34" charset="0"/>
+              </a:rPr>
+              <a:t>Original</a:t>
+            </a:r>
+          </a:p>
+        </p:txBody>
+      </p:sp>
+      <p:sp>
+        <p:nvSpPr>
+          <p:cNvPr id="44" name="TextBox 43">
+            <a:extLst>
+              <a:ext uri="{FF2B5EF4-FFF2-40B4-BE49-F238E27FC236}">
+                <a16:creationId xmlns:a16="http://schemas.microsoft.com/office/drawing/2014/main" id="{CE4C8653-A69D-415C-946A-581A85353811}"/>
+              </a:ext>
+            </a:extLst>
+          </p:cNvPr>
+          <p:cNvSpPr txBox="1"/>
+          <p:nvPr/>
+        </p:nvSpPr>
+        <p:spPr>
+          <a:xfrm>
+            <a:off x="8181490" y="5048973"/>
+            <a:ext cx="1066863" cy="246221"/>
+          </a:xfrm>
+          <a:prstGeom prst="rect">
+            <a:avLst/>
+          </a:prstGeom>
+          <a:noFill/>
+          <a:ln>
+            <a:noFill/>
+          </a:ln>
+        </p:spPr>
+        <p:txBody>
+          <a:bodyPr wrap="square" rtlCol="0">
+            <a:spAutoFit/>
+          </a:bodyPr>
+          <a:lstStyle/>
+          <a:p>
+            <a:pPr algn="ctr"/>
+            <a:r>
+              <a:rPr lang="en-US" sz="1000" dirty="0">
+                <a:latin typeface="Arial" panose="020B0604020202020204" pitchFamily="34" charset="0"/>
+                <a:cs typeface="Arial" panose="020B0604020202020204" pitchFamily="34" charset="0"/>
+              </a:rPr>
+              <a:t>Logarithmic</a:t>
+            </a:r>
+          </a:p>
+        </p:txBody>
+      </p:sp>
+      <p:sp>
+        <p:nvSpPr>
+          <p:cNvPr id="45" name="TextBox 44">
+            <a:extLst>
+              <a:ext uri="{FF2B5EF4-FFF2-40B4-BE49-F238E27FC236}">
+                <a16:creationId xmlns:a16="http://schemas.microsoft.com/office/drawing/2014/main" id="{A583D764-38F7-08CF-87DB-981D8D3ED90C}"/>
+              </a:ext>
+            </a:extLst>
+          </p:cNvPr>
+          <p:cNvSpPr txBox="1"/>
+          <p:nvPr/>
+        </p:nvSpPr>
+        <p:spPr>
+          <a:xfrm>
+            <a:off x="8181490" y="5299796"/>
+            <a:ext cx="1066863" cy="246221"/>
+          </a:xfrm>
+          <a:prstGeom prst="rect">
+            <a:avLst/>
+          </a:prstGeom>
+          <a:noFill/>
+          <a:ln>
+            <a:noFill/>
+          </a:ln>
+        </p:spPr>
+        <p:txBody>
+          <a:bodyPr wrap="square" rtlCol="0">
+            <a:spAutoFit/>
+          </a:bodyPr>
+          <a:lstStyle/>
+          <a:p>
+            <a:pPr algn="ctr"/>
+            <a:r>
+              <a:rPr lang="en-US" sz="1000" dirty="0">
+                <a:solidFill>
+                  <a:srgbClr val="C00000"/>
+                </a:solidFill>
+                <a:latin typeface="Arial" panose="020B0604020202020204" pitchFamily="34" charset="0"/>
+                <a:cs typeface="Arial" panose="020B0604020202020204" pitchFamily="34" charset="0"/>
+              </a:rPr>
+              <a:t>False</a:t>
+            </a:r>
+          </a:p>
+        </p:txBody>
+      </p:sp>
+      <p:sp>
+        <p:nvSpPr>
+          <p:cNvPr id="46" name="TextBox 45">
+            <a:extLst>
+              <a:ext uri="{FF2B5EF4-FFF2-40B4-BE49-F238E27FC236}">
+                <a16:creationId xmlns:a16="http://schemas.microsoft.com/office/drawing/2014/main" id="{56D0F520-BE6F-A78C-0BA0-511EC6D2095B}"/>
+              </a:ext>
+            </a:extLst>
+          </p:cNvPr>
+          <p:cNvSpPr txBox="1"/>
+          <p:nvPr/>
+        </p:nvSpPr>
+        <p:spPr>
+          <a:xfrm>
+            <a:off x="8181490" y="6803294"/>
+            <a:ext cx="1066863" cy="246221"/>
+          </a:xfrm>
+          <a:prstGeom prst="rect">
+            <a:avLst/>
+          </a:prstGeom>
+          <a:solidFill>
+            <a:srgbClr val="B30000">
+              <a:alpha val="50196"/>
+            </a:srgbClr>
+          </a:solidFill>
+          <a:ln>
+            <a:noFill/>
+          </a:ln>
+        </p:spPr>
+        <p:txBody>
+          <a:bodyPr wrap="square" rtlCol="0">
+            <a:spAutoFit/>
+          </a:bodyPr>
+          <a:lstStyle/>
+          <a:p>
+            <a:pPr algn="ctr"/>
+            <a:r>
+              <a:rPr lang="en-US" sz="1000" b="1" dirty="0">
+                <a:latin typeface="Arial" panose="020B0604020202020204" pitchFamily="34" charset="0"/>
+                <a:cs typeface="Arial" panose="020B0604020202020204" pitchFamily="34" charset="0"/>
+              </a:rPr>
+              <a:t>Incorrect</a:t>
+            </a:r>
+          </a:p>
+        </p:txBody>
+      </p:sp>
+      <p:sp>
+        <p:nvSpPr>
+          <p:cNvPr id="47" name="TextBox 46">
+            <a:extLst>
+              <a:ext uri="{FF2B5EF4-FFF2-40B4-BE49-F238E27FC236}">
+                <a16:creationId xmlns:a16="http://schemas.microsoft.com/office/drawing/2014/main" id="{4EFAD4B6-AB08-1283-530D-B5E5406C26F0}"/>
+              </a:ext>
+            </a:extLst>
+          </p:cNvPr>
+          <p:cNvSpPr txBox="1"/>
+          <p:nvPr/>
+        </p:nvSpPr>
+        <p:spPr>
+          <a:xfrm>
+            <a:off x="8181490" y="5792516"/>
+            <a:ext cx="1066863" cy="246221"/>
+          </a:xfrm>
+          <a:prstGeom prst="rect">
+            <a:avLst/>
+          </a:prstGeom>
+          <a:noFill/>
+          <a:ln>
+            <a:noFill/>
+          </a:ln>
+        </p:spPr>
+        <p:txBody>
+          <a:bodyPr wrap="square" rtlCol="0">
+            <a:spAutoFit/>
+          </a:bodyPr>
+          <a:lstStyle/>
+          <a:p>
+            <a:pPr algn="ctr"/>
+            <a:r>
+              <a:rPr lang="en-US" sz="1000" dirty="0">
+                <a:solidFill>
+                  <a:srgbClr val="C00000"/>
+                </a:solidFill>
+                <a:latin typeface="Arial" panose="020B0604020202020204" pitchFamily="34" charset="0"/>
+                <a:cs typeface="Arial" panose="020B0604020202020204" pitchFamily="34" charset="0"/>
+              </a:rPr>
+              <a:t>2.24</a:t>
+            </a:r>
+          </a:p>
+        </p:txBody>
+      </p:sp>
+      <p:sp>
+        <p:nvSpPr>
+          <p:cNvPr id="48" name="TextBox 47">
+            <a:extLst>
+              <a:ext uri="{FF2B5EF4-FFF2-40B4-BE49-F238E27FC236}">
+                <a16:creationId xmlns:a16="http://schemas.microsoft.com/office/drawing/2014/main" id="{445C08C1-AFA9-C83C-0DBF-358DAB013BF7}"/>
+              </a:ext>
+            </a:extLst>
+          </p:cNvPr>
+          <p:cNvSpPr txBox="1"/>
+          <p:nvPr/>
+        </p:nvSpPr>
+        <p:spPr>
+          <a:xfrm>
+            <a:off x="8181490" y="6046516"/>
+            <a:ext cx="1066863" cy="246221"/>
+          </a:xfrm>
+          <a:prstGeom prst="rect">
+            <a:avLst/>
+          </a:prstGeom>
+          <a:noFill/>
+          <a:ln>
+            <a:noFill/>
+          </a:ln>
+        </p:spPr>
+        <p:txBody>
+          <a:bodyPr wrap="square" rtlCol="0">
+            <a:spAutoFit/>
+          </a:bodyPr>
+          <a:lstStyle/>
+          <a:p>
+            <a:pPr algn="ctr"/>
+            <a:r>
+              <a:rPr lang="en-US" sz="1000" dirty="0">
+                <a:solidFill>
+                  <a:srgbClr val="C00000"/>
+                </a:solidFill>
+                <a:latin typeface="Arial" panose="020B0604020202020204" pitchFamily="34" charset="0"/>
+                <a:cs typeface="Arial" panose="020B0604020202020204" pitchFamily="34" charset="0"/>
+              </a:rPr>
+              <a:t>3.82</a:t>
+            </a:r>
+          </a:p>
+        </p:txBody>
+      </p:sp>
+      <p:sp>
+        <p:nvSpPr>
+          <p:cNvPr id="49" name="TextBox 48">
+            <a:extLst>
+              <a:ext uri="{FF2B5EF4-FFF2-40B4-BE49-F238E27FC236}">
+                <a16:creationId xmlns:a16="http://schemas.microsoft.com/office/drawing/2014/main" id="{71ABC646-235F-2125-2445-A314EBFB10F7}"/>
+              </a:ext>
+            </a:extLst>
+          </p:cNvPr>
+          <p:cNvSpPr txBox="1"/>
+          <p:nvPr/>
+        </p:nvSpPr>
+        <p:spPr>
+          <a:xfrm>
+            <a:off x="8181490" y="6290991"/>
+            <a:ext cx="1066863" cy="246221"/>
+          </a:xfrm>
+          <a:prstGeom prst="rect">
+            <a:avLst/>
+          </a:prstGeom>
+          <a:noFill/>
+          <a:ln>
+            <a:noFill/>
+          </a:ln>
+        </p:spPr>
+        <p:txBody>
+          <a:bodyPr wrap="square" rtlCol="0">
+            <a:spAutoFit/>
+          </a:bodyPr>
+          <a:lstStyle/>
+          <a:p>
+            <a:pPr algn="ctr"/>
+            <a:r>
+              <a:rPr lang="en-US" sz="1000" dirty="0">
+                <a:solidFill>
+                  <a:srgbClr val="C00000"/>
+                </a:solidFill>
+                <a:latin typeface="Arial" panose="020B0604020202020204" pitchFamily="34" charset="0"/>
+                <a:cs typeface="Arial" panose="020B0604020202020204" pitchFamily="34" charset="0"/>
+              </a:rPr>
+              <a:t>3.27</a:t>
+            </a:r>
+          </a:p>
+        </p:txBody>
+      </p:sp>
+      <p:sp>
+        <p:nvSpPr>
+          <p:cNvPr id="50" name="TextBox 49">
+            <a:extLst>
+              <a:ext uri="{FF2B5EF4-FFF2-40B4-BE49-F238E27FC236}">
+                <a16:creationId xmlns:a16="http://schemas.microsoft.com/office/drawing/2014/main" id="{12361291-2011-5658-A35C-96CC1CD48AF0}"/>
+              </a:ext>
+            </a:extLst>
+          </p:cNvPr>
+          <p:cNvSpPr txBox="1"/>
+          <p:nvPr/>
+        </p:nvSpPr>
+        <p:spPr>
+          <a:xfrm>
+            <a:off x="8181490" y="6544991"/>
+            <a:ext cx="1066863" cy="246221"/>
+          </a:xfrm>
+          <a:prstGeom prst="rect">
+            <a:avLst/>
+          </a:prstGeom>
+          <a:noFill/>
+          <a:ln>
+            <a:noFill/>
+          </a:ln>
+        </p:spPr>
+        <p:txBody>
+          <a:bodyPr wrap="square" rtlCol="0">
+            <a:spAutoFit/>
+          </a:bodyPr>
+          <a:lstStyle/>
+          <a:p>
+            <a:pPr algn="ctr"/>
+            <a:r>
+              <a:rPr lang="en-US" sz="1000" dirty="0">
+                <a:solidFill>
+                  <a:srgbClr val="C00000"/>
+                </a:solidFill>
+                <a:latin typeface="Arial" panose="020B0604020202020204" pitchFamily="34" charset="0"/>
+                <a:cs typeface="Arial" panose="020B0604020202020204" pitchFamily="34" charset="0"/>
+              </a:rPr>
+              <a:t>0.17</a:t>
+            </a:r>
+          </a:p>
+        </p:txBody>
+      </p:sp>
+      <p:sp>
+        <p:nvSpPr>
+          <p:cNvPr id="61" name="TextBox 60">
+            <a:extLst>
+              <a:ext uri="{FF2B5EF4-FFF2-40B4-BE49-F238E27FC236}">
+                <a16:creationId xmlns:a16="http://schemas.microsoft.com/office/drawing/2014/main" id="{1BAFE055-9B49-4F90-073C-4D7B7E7B8D23}"/>
+              </a:ext>
+            </a:extLst>
+          </p:cNvPr>
+          <p:cNvSpPr txBox="1"/>
+          <p:nvPr/>
+        </p:nvSpPr>
+        <p:spPr>
+          <a:xfrm>
+            <a:off x="9631231" y="4558348"/>
+            <a:ext cx="1066863" cy="246221"/>
+          </a:xfrm>
+          <a:prstGeom prst="rect">
+            <a:avLst/>
+          </a:prstGeom>
+          <a:noFill/>
+          <a:ln>
+            <a:noFill/>
+          </a:ln>
+        </p:spPr>
+        <p:txBody>
+          <a:bodyPr wrap="square" rtlCol="0">
+            <a:spAutoFit/>
+          </a:bodyPr>
+          <a:lstStyle/>
+          <a:p>
+            <a:pPr algn="ctr"/>
+            <a:r>
+              <a:rPr lang="en-US" sz="1000" dirty="0">
+                <a:latin typeface="Arial" panose="020B0604020202020204" pitchFamily="34" charset="0"/>
+                <a:cs typeface="Arial" panose="020B0604020202020204" pitchFamily="34" charset="0"/>
+              </a:rPr>
+              <a:t>Bar graph</a:t>
+            </a:r>
+          </a:p>
+        </p:txBody>
+      </p:sp>
+      <p:sp>
+        <p:nvSpPr>
+          <p:cNvPr id="62" name="TextBox 61">
+            <a:extLst>
+              <a:ext uri="{FF2B5EF4-FFF2-40B4-BE49-F238E27FC236}">
+                <a16:creationId xmlns:a16="http://schemas.microsoft.com/office/drawing/2014/main" id="{7B23019A-662D-C8DD-DECB-1E5C1D74529A}"/>
+              </a:ext>
+            </a:extLst>
+          </p:cNvPr>
+          <p:cNvSpPr txBox="1"/>
+          <p:nvPr/>
+        </p:nvSpPr>
+        <p:spPr>
+          <a:xfrm>
+            <a:off x="9587287" y="4805881"/>
+            <a:ext cx="1154750" cy="246221"/>
+          </a:xfrm>
+          <a:prstGeom prst="rect">
+            <a:avLst/>
+          </a:prstGeom>
+          <a:noFill/>
+          <a:ln>
+            <a:noFill/>
+          </a:ln>
+        </p:spPr>
+        <p:txBody>
+          <a:bodyPr wrap="square" rtlCol="0">
+            <a:spAutoFit/>
+          </a:bodyPr>
+          <a:lstStyle/>
+          <a:p>
+            <a:pPr algn="ctr"/>
+            <a:r>
+              <a:rPr lang="en-US" sz="1000" dirty="0">
+                <a:latin typeface="Arial" panose="020B0604020202020204" pitchFamily="34" charset="0"/>
+                <a:cs typeface="Arial" panose="020B0604020202020204" pitchFamily="34" charset="0"/>
+              </a:rPr>
+              <a:t>Original</a:t>
+            </a:r>
+          </a:p>
+        </p:txBody>
+      </p:sp>
+      <p:sp>
+        <p:nvSpPr>
+          <p:cNvPr id="63" name="TextBox 62">
+            <a:extLst>
+              <a:ext uri="{FF2B5EF4-FFF2-40B4-BE49-F238E27FC236}">
+                <a16:creationId xmlns:a16="http://schemas.microsoft.com/office/drawing/2014/main" id="{B2E2E90B-B63F-5F0D-FD75-7A38F4FC27E6}"/>
+              </a:ext>
+            </a:extLst>
+          </p:cNvPr>
+          <p:cNvSpPr txBox="1"/>
+          <p:nvPr/>
+        </p:nvSpPr>
+        <p:spPr>
+          <a:xfrm>
+            <a:off x="9631231" y="5048973"/>
+            <a:ext cx="1066863" cy="246221"/>
+          </a:xfrm>
+          <a:prstGeom prst="rect">
+            <a:avLst/>
+          </a:prstGeom>
+          <a:noFill/>
+          <a:ln>
+            <a:noFill/>
+          </a:ln>
+        </p:spPr>
+        <p:txBody>
+          <a:bodyPr wrap="square" rtlCol="0">
+            <a:spAutoFit/>
+          </a:bodyPr>
+          <a:lstStyle/>
+          <a:p>
+            <a:pPr algn="ctr"/>
+            <a:r>
+              <a:rPr lang="en-US" sz="1000" dirty="0">
+                <a:latin typeface="Arial" panose="020B0604020202020204" pitchFamily="34" charset="0"/>
+                <a:cs typeface="Arial" panose="020B0604020202020204" pitchFamily="34" charset="0"/>
+              </a:rPr>
+              <a:t>Logarithmic</a:t>
+            </a:r>
+          </a:p>
+        </p:txBody>
+      </p:sp>
+      <p:sp>
+        <p:nvSpPr>
+          <p:cNvPr id="64" name="TextBox 63">
+            <a:extLst>
+              <a:ext uri="{FF2B5EF4-FFF2-40B4-BE49-F238E27FC236}">
+                <a16:creationId xmlns:a16="http://schemas.microsoft.com/office/drawing/2014/main" id="{29B86CDA-6EE6-FDC2-3189-E531E300A54E}"/>
+              </a:ext>
+            </a:extLst>
+          </p:cNvPr>
+          <p:cNvSpPr txBox="1"/>
+          <p:nvPr/>
+        </p:nvSpPr>
+        <p:spPr>
+          <a:xfrm>
+            <a:off x="9631231" y="5299796"/>
+            <a:ext cx="1066863" cy="246221"/>
+          </a:xfrm>
+          <a:prstGeom prst="rect">
+            <a:avLst/>
+          </a:prstGeom>
+          <a:noFill/>
+          <a:ln>
+            <a:noFill/>
+          </a:ln>
+        </p:spPr>
+        <p:txBody>
+          <a:bodyPr wrap="square" rtlCol="0">
+            <a:spAutoFit/>
+          </a:bodyPr>
+          <a:lstStyle/>
+          <a:p>
+            <a:pPr algn="ctr"/>
+            <a:r>
+              <a:rPr lang="en-US" sz="1000" dirty="0">
+                <a:solidFill>
+                  <a:srgbClr val="C00000"/>
+                </a:solidFill>
+                <a:latin typeface="Arial" panose="020B0604020202020204" pitchFamily="34" charset="0"/>
+                <a:cs typeface="Arial" panose="020B0604020202020204" pitchFamily="34" charset="0"/>
+              </a:rPr>
+              <a:t>False</a:t>
+            </a:r>
+          </a:p>
+        </p:txBody>
+      </p:sp>
+      <p:sp>
+        <p:nvSpPr>
+          <p:cNvPr id="65" name="TextBox 64">
+            <a:extLst>
+              <a:ext uri="{FF2B5EF4-FFF2-40B4-BE49-F238E27FC236}">
+                <a16:creationId xmlns:a16="http://schemas.microsoft.com/office/drawing/2014/main" id="{17EBBF58-6E67-EFEB-2CE8-62E74362E7A7}"/>
+              </a:ext>
+            </a:extLst>
+          </p:cNvPr>
+          <p:cNvSpPr txBox="1"/>
+          <p:nvPr/>
+        </p:nvSpPr>
+        <p:spPr>
+          <a:xfrm>
+            <a:off x="9631231" y="6803294"/>
+            <a:ext cx="1066863" cy="246221"/>
+          </a:xfrm>
+          <a:prstGeom prst="rect">
+            <a:avLst/>
+          </a:prstGeom>
+          <a:solidFill>
+            <a:srgbClr val="B30000">
+              <a:alpha val="50196"/>
+            </a:srgbClr>
+          </a:solidFill>
+          <a:ln>
+            <a:noFill/>
+          </a:ln>
+        </p:spPr>
+        <p:txBody>
+          <a:bodyPr wrap="square" rtlCol="0">
+            <a:spAutoFit/>
+          </a:bodyPr>
+          <a:lstStyle/>
+          <a:p>
+            <a:pPr algn="ctr"/>
+            <a:r>
+              <a:rPr lang="en-US" sz="1000" b="1" dirty="0">
+                <a:latin typeface="Arial" panose="020B0604020202020204" pitchFamily="34" charset="0"/>
+                <a:cs typeface="Arial" panose="020B0604020202020204" pitchFamily="34" charset="0"/>
+              </a:rPr>
+              <a:t>Incorrect</a:t>
+            </a:r>
+          </a:p>
+        </p:txBody>
+      </p:sp>
+      <p:sp>
+        <p:nvSpPr>
+          <p:cNvPr id="66" name="TextBox 65">
+            <a:extLst>
+              <a:ext uri="{FF2B5EF4-FFF2-40B4-BE49-F238E27FC236}">
+                <a16:creationId xmlns:a16="http://schemas.microsoft.com/office/drawing/2014/main" id="{F9B3FB25-ED22-49C8-CBBE-35310078C617}"/>
+              </a:ext>
+            </a:extLst>
+          </p:cNvPr>
+          <p:cNvSpPr txBox="1"/>
+          <p:nvPr/>
+        </p:nvSpPr>
+        <p:spPr>
+          <a:xfrm>
+            <a:off x="9631231" y="5792516"/>
+            <a:ext cx="1066863" cy="246221"/>
+          </a:xfrm>
+          <a:prstGeom prst="rect">
+            <a:avLst/>
+          </a:prstGeom>
+          <a:noFill/>
+          <a:ln>
+            <a:noFill/>
+          </a:ln>
+        </p:spPr>
+        <p:txBody>
+          <a:bodyPr wrap="square" rtlCol="0">
+            <a:spAutoFit/>
+          </a:bodyPr>
+          <a:lstStyle/>
+          <a:p>
+            <a:pPr algn="ctr"/>
+            <a:r>
+              <a:rPr lang="en-US" sz="1000" dirty="0" err="1">
+                <a:solidFill>
+                  <a:srgbClr val="C00000"/>
+                </a:solidFill>
+                <a:latin typeface="Arial" panose="020B0604020202020204" pitchFamily="34" charset="0"/>
+                <a:cs typeface="Arial" panose="020B0604020202020204" pitchFamily="34" charset="0"/>
+              </a:rPr>
+              <a:t>NaN</a:t>
+            </a:r>
+            <a:endParaRPr lang="en-US" sz="1000" dirty="0">
+              <a:solidFill>
+                <a:srgbClr val="C00000"/>
+              </a:solidFill>
+              <a:latin typeface="Arial" panose="020B0604020202020204" pitchFamily="34" charset="0"/>
+              <a:cs typeface="Arial" panose="020B0604020202020204" pitchFamily="34" charset="0"/>
+            </a:endParaRPr>
+          </a:p>
+        </p:txBody>
+      </p:sp>
+      <p:sp>
+        <p:nvSpPr>
+          <p:cNvPr id="67" name="TextBox 66">
+            <a:extLst>
+              <a:ext uri="{FF2B5EF4-FFF2-40B4-BE49-F238E27FC236}">
+                <a16:creationId xmlns:a16="http://schemas.microsoft.com/office/drawing/2014/main" id="{05A80642-BA35-33C3-A012-A60B4BB424FA}"/>
+              </a:ext>
+            </a:extLst>
+          </p:cNvPr>
+          <p:cNvSpPr txBox="1"/>
+          <p:nvPr/>
+        </p:nvSpPr>
+        <p:spPr>
+          <a:xfrm>
+            <a:off x="9631231" y="6046516"/>
+            <a:ext cx="1066863" cy="246221"/>
+          </a:xfrm>
+          <a:prstGeom prst="rect">
+            <a:avLst/>
+          </a:prstGeom>
+          <a:noFill/>
+          <a:ln>
+            <a:noFill/>
+          </a:ln>
+        </p:spPr>
+        <p:txBody>
+          <a:bodyPr wrap="square" rtlCol="0">
+            <a:spAutoFit/>
+          </a:bodyPr>
+          <a:lstStyle/>
+          <a:p>
+            <a:pPr algn="ctr"/>
+            <a:r>
+              <a:rPr lang="en-US" sz="1000" dirty="0">
+                <a:solidFill>
+                  <a:srgbClr val="C00000"/>
+                </a:solidFill>
+                <a:latin typeface="Arial" panose="020B0604020202020204" pitchFamily="34" charset="0"/>
+                <a:cs typeface="Arial" panose="020B0604020202020204" pitchFamily="34" charset="0"/>
+              </a:rPr>
+              <a:t>–4.22</a:t>
+            </a:r>
+          </a:p>
+        </p:txBody>
+      </p:sp>
+      <p:sp>
+        <p:nvSpPr>
+          <p:cNvPr id="68" name="TextBox 67">
+            <a:extLst>
+              <a:ext uri="{FF2B5EF4-FFF2-40B4-BE49-F238E27FC236}">
+                <a16:creationId xmlns:a16="http://schemas.microsoft.com/office/drawing/2014/main" id="{35DD07A2-78FC-B7E6-2770-0564C54E3C1F}"/>
+              </a:ext>
+            </a:extLst>
+          </p:cNvPr>
+          <p:cNvSpPr txBox="1"/>
+          <p:nvPr/>
+        </p:nvSpPr>
+        <p:spPr>
+          <a:xfrm>
+            <a:off x="9631231" y="6290991"/>
+            <a:ext cx="1066863" cy="246221"/>
+          </a:xfrm>
+          <a:prstGeom prst="rect">
+            <a:avLst/>
+          </a:prstGeom>
+          <a:noFill/>
+          <a:ln>
+            <a:noFill/>
+          </a:ln>
+        </p:spPr>
+        <p:txBody>
+          <a:bodyPr wrap="square" rtlCol="0">
+            <a:spAutoFit/>
+          </a:bodyPr>
+          <a:lstStyle/>
+          <a:p>
+            <a:pPr algn="ctr"/>
+            <a:r>
+              <a:rPr lang="en-US" sz="1000" dirty="0">
+                <a:solidFill>
+                  <a:srgbClr val="C00000"/>
+                </a:solidFill>
+                <a:latin typeface="Arial" panose="020B0604020202020204" pitchFamily="34" charset="0"/>
+                <a:cs typeface="Arial" panose="020B0604020202020204" pitchFamily="34" charset="0"/>
+              </a:rPr>
+              <a:t>3.72</a:t>
+            </a:r>
+          </a:p>
+        </p:txBody>
+      </p:sp>
+      <p:sp>
+        <p:nvSpPr>
+          <p:cNvPr id="69" name="TextBox 68">
+            <a:extLst>
+              <a:ext uri="{FF2B5EF4-FFF2-40B4-BE49-F238E27FC236}">
+                <a16:creationId xmlns:a16="http://schemas.microsoft.com/office/drawing/2014/main" id="{DC53B881-F5C0-786C-0591-05869AC021A6}"/>
+              </a:ext>
+            </a:extLst>
+          </p:cNvPr>
+          <p:cNvSpPr txBox="1"/>
+          <p:nvPr/>
+        </p:nvSpPr>
+        <p:spPr>
+          <a:xfrm>
+            <a:off x="9631231" y="6544991"/>
+            <a:ext cx="1066863" cy="246221"/>
+          </a:xfrm>
+          <a:prstGeom prst="rect">
+            <a:avLst/>
+          </a:prstGeom>
+          <a:noFill/>
+          <a:ln>
+            <a:noFill/>
+          </a:ln>
+        </p:spPr>
+        <p:txBody>
+          <a:bodyPr wrap="square" rtlCol="0">
+            <a:spAutoFit/>
+          </a:bodyPr>
+          <a:lstStyle/>
+          <a:p>
+            <a:pPr algn="ctr"/>
+            <a:r>
+              <a:rPr lang="en-US" sz="1000" dirty="0">
+                <a:solidFill>
+                  <a:srgbClr val="C00000"/>
+                </a:solidFill>
+                <a:latin typeface="Arial" panose="020B0604020202020204" pitchFamily="34" charset="0"/>
+                <a:cs typeface="Arial" panose="020B0604020202020204" pitchFamily="34" charset="0"/>
+              </a:rPr>
+              <a:t>0.17</a:t>
+            </a:r>
+          </a:p>
+        </p:txBody>
+      </p:sp>
+      <p:sp>
+        <p:nvSpPr>
+          <p:cNvPr id="70" name="TextBox 69">
+            <a:extLst>
+              <a:ext uri="{FF2B5EF4-FFF2-40B4-BE49-F238E27FC236}">
+                <a16:creationId xmlns:a16="http://schemas.microsoft.com/office/drawing/2014/main" id="{3C7D8780-E5A3-86BD-F6A0-598DB289C7C2}"/>
+              </a:ext>
+            </a:extLst>
+          </p:cNvPr>
+          <p:cNvSpPr txBox="1"/>
+          <p:nvPr/>
+        </p:nvSpPr>
+        <p:spPr>
+          <a:xfrm>
+            <a:off x="5939260" y="1739724"/>
+            <a:ext cx="255199" cy="246221"/>
+          </a:xfrm>
+          <a:prstGeom prst="rect">
+            <a:avLst/>
+          </a:prstGeom>
+          <a:noFill/>
+          <a:ln>
+            <a:noFill/>
+          </a:ln>
+        </p:spPr>
+        <p:txBody>
+          <a:bodyPr wrap="none" rtlCol="0">
+            <a:spAutoFit/>
+          </a:bodyPr>
+          <a:lstStyle/>
+          <a:p>
+            <a:pPr algn="ctr"/>
+            <a:r>
+              <a:rPr lang="en-US" sz="1000" b="1" dirty="0">
+                <a:latin typeface="Arial" panose="020B0604020202020204" pitchFamily="34" charset="0"/>
+                <a:cs typeface="Arial" panose="020B0604020202020204" pitchFamily="34" charset="0"/>
+              </a:rPr>
+              <a:t>c</a:t>
+            </a:r>
+          </a:p>
+        </p:txBody>
+      </p:sp>
+      <p:sp>
+        <p:nvSpPr>
+          <p:cNvPr id="71" name="TextBox 70">
+            <a:extLst>
+              <a:ext uri="{FF2B5EF4-FFF2-40B4-BE49-F238E27FC236}">
+                <a16:creationId xmlns:a16="http://schemas.microsoft.com/office/drawing/2014/main" id="{8409AC3F-A707-27E8-9CD1-4D953B2E1ADA}"/>
+              </a:ext>
+            </a:extLst>
+          </p:cNvPr>
+          <p:cNvSpPr txBox="1"/>
+          <p:nvPr/>
+        </p:nvSpPr>
+        <p:spPr>
+          <a:xfrm>
+            <a:off x="7947386" y="1739724"/>
+            <a:ext cx="263214" cy="246221"/>
+          </a:xfrm>
+          <a:prstGeom prst="rect">
+            <a:avLst/>
+          </a:prstGeom>
+          <a:noFill/>
+          <a:ln>
+            <a:noFill/>
+          </a:ln>
+        </p:spPr>
+        <p:txBody>
+          <a:bodyPr wrap="none" rtlCol="0">
+            <a:spAutoFit/>
+          </a:bodyPr>
+          <a:lstStyle/>
+          <a:p>
+            <a:pPr algn="ctr"/>
+            <a:r>
+              <a:rPr lang="en-US" sz="1000" b="1" dirty="0">
+                <a:latin typeface="Arial" panose="020B0604020202020204" pitchFamily="34" charset="0"/>
+                <a:cs typeface="Arial" panose="020B0604020202020204" pitchFamily="34" charset="0"/>
+              </a:rPr>
+              <a:t>d</a:t>
+            </a:r>
+          </a:p>
+        </p:txBody>
+      </p:sp>
+      <p:sp>
+        <p:nvSpPr>
+          <p:cNvPr id="72" name="TextBox 71">
+            <a:extLst>
+              <a:ext uri="{FF2B5EF4-FFF2-40B4-BE49-F238E27FC236}">
+                <a16:creationId xmlns:a16="http://schemas.microsoft.com/office/drawing/2014/main" id="{331A1301-F9AD-7AC5-749F-24966E96BB7A}"/>
+              </a:ext>
+            </a:extLst>
+          </p:cNvPr>
+          <p:cNvSpPr txBox="1"/>
+          <p:nvPr/>
+        </p:nvSpPr>
+        <p:spPr>
+          <a:xfrm>
+            <a:off x="9415718" y="1739724"/>
+            <a:ext cx="255199" cy="246221"/>
+          </a:xfrm>
+          <a:prstGeom prst="rect">
+            <a:avLst/>
+          </a:prstGeom>
+          <a:noFill/>
+          <a:ln>
+            <a:noFill/>
+          </a:ln>
+        </p:spPr>
+        <p:txBody>
+          <a:bodyPr wrap="none" rtlCol="0">
+            <a:spAutoFit/>
+          </a:bodyPr>
+          <a:lstStyle/>
+          <a:p>
+            <a:pPr algn="ctr"/>
+            <a:r>
+              <a:rPr lang="en-US" sz="1000" b="1" dirty="0">
+                <a:latin typeface="Arial" panose="020B0604020202020204" pitchFamily="34" charset="0"/>
+                <a:cs typeface="Arial" panose="020B0604020202020204" pitchFamily="34" charset="0"/>
+              </a:rPr>
+              <a:t>e</a:t>
+            </a:r>
+          </a:p>
+        </p:txBody>
+      </p:sp>
+      <p:sp>
+        <p:nvSpPr>
+          <p:cNvPr id="2" name="TextBox 1">
+            <a:extLst>
+              <a:ext uri="{FF2B5EF4-FFF2-40B4-BE49-F238E27FC236}">
+                <a16:creationId xmlns:a16="http://schemas.microsoft.com/office/drawing/2014/main" id="{56C10BA3-DF10-7340-357A-C36C2FE44C4B}"/>
+              </a:ext>
+            </a:extLst>
+          </p:cNvPr>
+          <p:cNvSpPr txBox="1"/>
+          <p:nvPr/>
+        </p:nvSpPr>
+        <p:spPr>
+          <a:xfrm>
+            <a:off x="11080971" y="4558348"/>
+            <a:ext cx="1066863" cy="246221"/>
+          </a:xfrm>
+          <a:prstGeom prst="rect">
+            <a:avLst/>
+          </a:prstGeom>
+          <a:noFill/>
+          <a:ln>
+            <a:noFill/>
+          </a:ln>
+        </p:spPr>
+        <p:txBody>
+          <a:bodyPr wrap="square" rtlCol="0">
+            <a:spAutoFit/>
+          </a:bodyPr>
+          <a:lstStyle/>
+          <a:p>
+            <a:pPr algn="ctr"/>
+            <a:r>
+              <a:rPr lang="en-US" sz="1000" dirty="0">
+                <a:latin typeface="Arial" panose="020B0604020202020204" pitchFamily="34" charset="0"/>
+                <a:cs typeface="Arial" panose="020B0604020202020204" pitchFamily="34" charset="0"/>
+              </a:rPr>
+              <a:t>Point plot</a:t>
+            </a:r>
+          </a:p>
+        </p:txBody>
+      </p:sp>
+      <p:sp>
+        <p:nvSpPr>
+          <p:cNvPr id="51" name="TextBox 50">
+            <a:extLst>
+              <a:ext uri="{FF2B5EF4-FFF2-40B4-BE49-F238E27FC236}">
+                <a16:creationId xmlns:a16="http://schemas.microsoft.com/office/drawing/2014/main" id="{77447261-C738-9BFE-FEDC-3B3B15534FA4}"/>
+              </a:ext>
+            </a:extLst>
+          </p:cNvPr>
+          <p:cNvSpPr txBox="1"/>
+          <p:nvPr/>
+        </p:nvSpPr>
+        <p:spPr>
+          <a:xfrm>
+            <a:off x="11037027" y="4805881"/>
+            <a:ext cx="1154750" cy="246221"/>
+          </a:xfrm>
+          <a:prstGeom prst="rect">
+            <a:avLst/>
+          </a:prstGeom>
+          <a:noFill/>
+          <a:ln>
+            <a:noFill/>
+          </a:ln>
+        </p:spPr>
+        <p:txBody>
+          <a:bodyPr wrap="square" rtlCol="0">
+            <a:spAutoFit/>
+          </a:bodyPr>
+          <a:lstStyle/>
+          <a:p>
+            <a:pPr algn="ctr"/>
+            <a:r>
+              <a:rPr lang="en-US" sz="1000" dirty="0">
+                <a:latin typeface="Arial" panose="020B0604020202020204" pitchFamily="34" charset="0"/>
+                <a:cs typeface="Arial" panose="020B0604020202020204" pitchFamily="34" charset="0"/>
+              </a:rPr>
+              <a:t>Original</a:t>
+            </a:r>
+          </a:p>
+        </p:txBody>
+      </p:sp>
+      <p:sp>
+        <p:nvSpPr>
+          <p:cNvPr id="52" name="TextBox 51">
+            <a:extLst>
+              <a:ext uri="{FF2B5EF4-FFF2-40B4-BE49-F238E27FC236}">
+                <a16:creationId xmlns:a16="http://schemas.microsoft.com/office/drawing/2014/main" id="{9CE44E29-B2C6-6CB4-41AE-D99C563F33BB}"/>
+              </a:ext>
+            </a:extLst>
+          </p:cNvPr>
+          <p:cNvSpPr txBox="1"/>
+          <p:nvPr/>
+        </p:nvSpPr>
+        <p:spPr>
+          <a:xfrm>
+            <a:off x="11080971" y="5048973"/>
+            <a:ext cx="1066863" cy="246221"/>
+          </a:xfrm>
+          <a:prstGeom prst="rect">
+            <a:avLst/>
+          </a:prstGeom>
+          <a:noFill/>
+          <a:ln>
+            <a:noFill/>
+          </a:ln>
+        </p:spPr>
+        <p:txBody>
+          <a:bodyPr wrap="square" rtlCol="0">
+            <a:spAutoFit/>
+          </a:bodyPr>
+          <a:lstStyle/>
+          <a:p>
+            <a:pPr algn="ctr"/>
+            <a:r>
+              <a:rPr lang="en-US" sz="1000" dirty="0">
+                <a:latin typeface="Arial" panose="020B0604020202020204" pitchFamily="34" charset="0"/>
+                <a:cs typeface="Arial" panose="020B0604020202020204" pitchFamily="34" charset="0"/>
+              </a:rPr>
+              <a:t>Logarithmic</a:t>
+            </a:r>
+          </a:p>
+        </p:txBody>
+      </p:sp>
+      <p:sp>
+        <p:nvSpPr>
+          <p:cNvPr id="53" name="TextBox 52">
+            <a:extLst>
+              <a:ext uri="{FF2B5EF4-FFF2-40B4-BE49-F238E27FC236}">
+                <a16:creationId xmlns:a16="http://schemas.microsoft.com/office/drawing/2014/main" id="{4C94F53B-C127-DAE1-9E83-EEA7624CA431}"/>
+              </a:ext>
+            </a:extLst>
+          </p:cNvPr>
+          <p:cNvSpPr txBox="1"/>
+          <p:nvPr/>
+        </p:nvSpPr>
+        <p:spPr>
+          <a:xfrm>
+            <a:off x="11080971" y="5299796"/>
+            <a:ext cx="1066863" cy="246221"/>
+          </a:xfrm>
+          <a:prstGeom prst="rect">
+            <a:avLst/>
+          </a:prstGeom>
+          <a:noFill/>
+          <a:ln>
+            <a:noFill/>
+          </a:ln>
+        </p:spPr>
+        <p:txBody>
+          <a:bodyPr wrap="square" rtlCol="0">
+            <a:spAutoFit/>
+          </a:bodyPr>
+          <a:lstStyle/>
+          <a:p>
+            <a:pPr algn="ctr"/>
+            <a:r>
+              <a:rPr lang="en-US" sz="1000" dirty="0">
+                <a:latin typeface="Arial" panose="020B0604020202020204" pitchFamily="34" charset="0"/>
+                <a:cs typeface="Arial" panose="020B0604020202020204" pitchFamily="34" charset="0"/>
+              </a:rPr>
+              <a:t>False</a:t>
+            </a:r>
+          </a:p>
+        </p:txBody>
+      </p:sp>
+      <p:sp>
+        <p:nvSpPr>
+          <p:cNvPr id="54" name="TextBox 53">
+            <a:extLst>
+              <a:ext uri="{FF2B5EF4-FFF2-40B4-BE49-F238E27FC236}">
+                <a16:creationId xmlns:a16="http://schemas.microsoft.com/office/drawing/2014/main" id="{C794E1CF-0E53-E677-4763-83D95FA458A2}"/>
+              </a:ext>
+            </a:extLst>
+          </p:cNvPr>
+          <p:cNvSpPr txBox="1"/>
+          <p:nvPr/>
+        </p:nvSpPr>
+        <p:spPr>
+          <a:xfrm>
+            <a:off x="11080971" y="6803294"/>
+            <a:ext cx="1066863" cy="246221"/>
+          </a:xfrm>
+          <a:prstGeom prst="rect">
+            <a:avLst/>
+          </a:prstGeom>
+          <a:solidFill>
+            <a:srgbClr val="00B050">
+              <a:alpha val="50196"/>
+            </a:srgbClr>
+          </a:solidFill>
+          <a:ln>
+            <a:noFill/>
+          </a:ln>
+        </p:spPr>
+        <p:txBody>
+          <a:bodyPr wrap="square" rtlCol="0">
+            <a:spAutoFit/>
+          </a:bodyPr>
+          <a:lstStyle/>
+          <a:p>
+            <a:pPr algn="ctr"/>
+            <a:r>
+              <a:rPr lang="en-US" sz="1000" b="1" dirty="0">
+                <a:latin typeface="Arial" panose="020B0604020202020204" pitchFamily="34" charset="0"/>
+                <a:cs typeface="Arial" panose="020B0604020202020204" pitchFamily="34" charset="0"/>
+              </a:rPr>
+              <a:t>Correct</a:t>
+            </a:r>
+          </a:p>
+        </p:txBody>
+      </p:sp>
+      <p:sp>
+        <p:nvSpPr>
+          <p:cNvPr id="55" name="TextBox 54">
+            <a:extLst>
+              <a:ext uri="{FF2B5EF4-FFF2-40B4-BE49-F238E27FC236}">
+                <a16:creationId xmlns:a16="http://schemas.microsoft.com/office/drawing/2014/main" id="{1B7B729F-2DD2-8E76-B787-B7F08DE6E42F}"/>
+              </a:ext>
+            </a:extLst>
+          </p:cNvPr>
+          <p:cNvSpPr txBox="1"/>
+          <p:nvPr/>
+        </p:nvSpPr>
+        <p:spPr>
+          <a:xfrm>
+            <a:off x="11080971" y="5792516"/>
+            <a:ext cx="1066863" cy="246221"/>
+          </a:xfrm>
+          <a:prstGeom prst="rect">
+            <a:avLst/>
+          </a:prstGeom>
+          <a:noFill/>
+          <a:ln>
+            <a:noFill/>
+          </a:ln>
+        </p:spPr>
+        <p:txBody>
+          <a:bodyPr wrap="square" rtlCol="0">
+            <a:spAutoFit/>
+          </a:bodyPr>
+          <a:lstStyle/>
+          <a:p>
+            <a:pPr algn="ctr"/>
+            <a:r>
+              <a:rPr lang="en-US" sz="1000" dirty="0">
+                <a:latin typeface="Arial" panose="020B0604020202020204" pitchFamily="34" charset="0"/>
+                <a:cs typeface="Arial" panose="020B0604020202020204" pitchFamily="34" charset="0"/>
+              </a:rPr>
+              <a:t>N/A</a:t>
+            </a:r>
+          </a:p>
+        </p:txBody>
+      </p:sp>
+      <p:sp>
+        <p:nvSpPr>
+          <p:cNvPr id="56" name="TextBox 55">
+            <a:extLst>
+              <a:ext uri="{FF2B5EF4-FFF2-40B4-BE49-F238E27FC236}">
+                <a16:creationId xmlns:a16="http://schemas.microsoft.com/office/drawing/2014/main" id="{36C43CA6-4035-D184-C874-36A0A03FBA18}"/>
+              </a:ext>
+            </a:extLst>
+          </p:cNvPr>
+          <p:cNvSpPr txBox="1"/>
+          <p:nvPr/>
+        </p:nvSpPr>
+        <p:spPr>
+          <a:xfrm>
+            <a:off x="11080971" y="6046516"/>
+            <a:ext cx="1066863" cy="246221"/>
+          </a:xfrm>
+          <a:prstGeom prst="rect">
+            <a:avLst/>
+          </a:prstGeom>
+          <a:noFill/>
+          <a:ln>
+            <a:noFill/>
+          </a:ln>
+        </p:spPr>
+        <p:txBody>
+          <a:bodyPr wrap="square" rtlCol="0">
+            <a:spAutoFit/>
+          </a:bodyPr>
+          <a:lstStyle/>
+          <a:p>
+            <a:pPr algn="ctr"/>
+            <a:r>
+              <a:rPr lang="en-US" sz="1000" dirty="0">
+                <a:latin typeface="Arial" panose="020B0604020202020204" pitchFamily="34" charset="0"/>
+                <a:cs typeface="Arial" panose="020B0604020202020204" pitchFamily="34" charset="0"/>
+              </a:rPr>
+              <a:t>N/A</a:t>
+            </a:r>
+          </a:p>
+        </p:txBody>
+      </p:sp>
+      <p:sp>
+        <p:nvSpPr>
+          <p:cNvPr id="57" name="TextBox 56">
+            <a:extLst>
+              <a:ext uri="{FF2B5EF4-FFF2-40B4-BE49-F238E27FC236}">
+                <a16:creationId xmlns:a16="http://schemas.microsoft.com/office/drawing/2014/main" id="{30FE66B5-7142-E3EA-7224-19155C189C4C}"/>
+              </a:ext>
+            </a:extLst>
+          </p:cNvPr>
+          <p:cNvSpPr txBox="1"/>
+          <p:nvPr/>
+        </p:nvSpPr>
+        <p:spPr>
+          <a:xfrm>
+            <a:off x="11080971" y="6290991"/>
+            <a:ext cx="1066863" cy="246221"/>
+          </a:xfrm>
+          <a:prstGeom prst="rect">
+            <a:avLst/>
+          </a:prstGeom>
+          <a:noFill/>
+          <a:ln>
+            <a:noFill/>
+          </a:ln>
+        </p:spPr>
+        <p:txBody>
+          <a:bodyPr wrap="square" rtlCol="0">
+            <a:spAutoFit/>
+          </a:bodyPr>
+          <a:lstStyle/>
+          <a:p>
+            <a:pPr algn="ctr"/>
+            <a:r>
+              <a:rPr lang="en-US" sz="1000" dirty="0">
+                <a:latin typeface="Arial" panose="020B0604020202020204" pitchFamily="34" charset="0"/>
+                <a:cs typeface="Arial" panose="020B0604020202020204" pitchFamily="34" charset="0"/>
+              </a:rPr>
+              <a:t>N/A</a:t>
+            </a:r>
+          </a:p>
+        </p:txBody>
+      </p:sp>
+      <p:sp>
+        <p:nvSpPr>
+          <p:cNvPr id="58" name="TextBox 57">
+            <a:extLst>
+              <a:ext uri="{FF2B5EF4-FFF2-40B4-BE49-F238E27FC236}">
+                <a16:creationId xmlns:a16="http://schemas.microsoft.com/office/drawing/2014/main" id="{9B47D95F-7D5A-B47D-8827-69FAEDEE9970}"/>
+              </a:ext>
+            </a:extLst>
+          </p:cNvPr>
+          <p:cNvSpPr txBox="1"/>
+          <p:nvPr/>
+        </p:nvSpPr>
+        <p:spPr>
+          <a:xfrm>
+            <a:off x="11080971" y="6544991"/>
+            <a:ext cx="1066863" cy="246221"/>
+          </a:xfrm>
+          <a:prstGeom prst="rect">
+            <a:avLst/>
+          </a:prstGeom>
+          <a:noFill/>
+          <a:ln>
+            <a:noFill/>
+          </a:ln>
+        </p:spPr>
+        <p:txBody>
+          <a:bodyPr wrap="square" rtlCol="0">
+            <a:spAutoFit/>
+          </a:bodyPr>
+          <a:lstStyle/>
+          <a:p>
+            <a:pPr algn="ctr"/>
+            <a:r>
+              <a:rPr lang="en-US" sz="1000" dirty="0">
+                <a:latin typeface="Arial" panose="020B0604020202020204" pitchFamily="34" charset="0"/>
+                <a:cs typeface="Arial" panose="020B0604020202020204" pitchFamily="34" charset="0"/>
+              </a:rPr>
+              <a:t>N/A</a:t>
+            </a:r>
+          </a:p>
+        </p:txBody>
+      </p:sp>
+      <p:sp>
+        <p:nvSpPr>
+          <p:cNvPr id="59" name="TextBox 58">
+            <a:extLst>
+              <a:ext uri="{FF2B5EF4-FFF2-40B4-BE49-F238E27FC236}">
+                <a16:creationId xmlns:a16="http://schemas.microsoft.com/office/drawing/2014/main" id="{413501C5-C885-B5CB-63BE-9B0706751392}"/>
+              </a:ext>
+            </a:extLst>
+          </p:cNvPr>
+          <p:cNvSpPr txBox="1"/>
+          <p:nvPr/>
+        </p:nvSpPr>
+        <p:spPr>
+          <a:xfrm>
+            <a:off x="10887536" y="1739724"/>
+            <a:ext cx="227948" cy="246221"/>
+          </a:xfrm>
+          <a:prstGeom prst="rect">
+            <a:avLst/>
+          </a:prstGeom>
+          <a:noFill/>
+          <a:ln>
+            <a:noFill/>
+          </a:ln>
+        </p:spPr>
+        <p:txBody>
+          <a:bodyPr wrap="none" rtlCol="0">
+            <a:spAutoFit/>
+          </a:bodyPr>
+          <a:lstStyle/>
+          <a:p>
+            <a:pPr algn="ctr"/>
+            <a:r>
+              <a:rPr lang="en-US" sz="1000" b="1" dirty="0">
+                <a:latin typeface="Arial" panose="020B0604020202020204" pitchFamily="34" charset="0"/>
+                <a:cs typeface="Arial" panose="020B0604020202020204" pitchFamily="34" charset="0"/>
+              </a:rPr>
+              <a:t>f</a:t>
+            </a:r>
+          </a:p>
+        </p:txBody>
+      </p:sp>
+      <p:sp>
+        <p:nvSpPr>
+          <p:cNvPr id="73" name="TextBox 72">
+            <a:extLst>
+              <a:ext uri="{FF2B5EF4-FFF2-40B4-BE49-F238E27FC236}">
+                <a16:creationId xmlns:a16="http://schemas.microsoft.com/office/drawing/2014/main" id="{53BDF0F1-DB24-9F5C-F6BE-BAA92A73BD1E}"/>
+              </a:ext>
+            </a:extLst>
+          </p:cNvPr>
+          <p:cNvSpPr txBox="1"/>
+          <p:nvPr/>
+        </p:nvSpPr>
+        <p:spPr>
+          <a:xfrm>
+            <a:off x="1958469" y="5541056"/>
+            <a:ext cx="1008609" cy="246221"/>
+          </a:xfrm>
+          <a:prstGeom prst="rect">
+            <a:avLst/>
+          </a:prstGeom>
+          <a:noFill/>
+          <a:ln>
+            <a:noFill/>
+          </a:ln>
+        </p:spPr>
+        <p:txBody>
+          <a:bodyPr wrap="none" rtlCol="0">
+            <a:spAutoFit/>
+          </a:bodyPr>
+          <a:lstStyle/>
+          <a:p>
+            <a:pPr algn="r"/>
+            <a:r>
+              <a:rPr lang="en-US" sz="1000" b="1" dirty="0">
+                <a:latin typeface="Arial" panose="020B0604020202020204" pitchFamily="34" charset="0"/>
+                <a:cs typeface="Arial" panose="020B0604020202020204" pitchFamily="34" charset="0"/>
+              </a:rPr>
+              <a:t>Well-behaved</a:t>
+            </a:r>
+          </a:p>
+        </p:txBody>
+      </p:sp>
+      <p:sp>
+        <p:nvSpPr>
+          <p:cNvPr id="74" name="TextBox 73">
+            <a:extLst>
+              <a:ext uri="{FF2B5EF4-FFF2-40B4-BE49-F238E27FC236}">
+                <a16:creationId xmlns:a16="http://schemas.microsoft.com/office/drawing/2014/main" id="{7101A8AA-0510-3460-E1C1-5FA75BDB7DA4}"/>
+              </a:ext>
+            </a:extLst>
+          </p:cNvPr>
+          <p:cNvSpPr txBox="1"/>
+          <p:nvPr/>
+        </p:nvSpPr>
+        <p:spPr>
+          <a:xfrm>
+            <a:off x="3191011" y="5545658"/>
+            <a:ext cx="1066863" cy="246221"/>
+          </a:xfrm>
+          <a:prstGeom prst="rect">
+            <a:avLst/>
+          </a:prstGeom>
+          <a:noFill/>
+          <a:ln>
+            <a:noFill/>
+          </a:ln>
+        </p:spPr>
+        <p:txBody>
+          <a:bodyPr wrap="square" rtlCol="0">
+            <a:spAutoFit/>
+          </a:bodyPr>
+          <a:lstStyle/>
+          <a:p>
+            <a:pPr algn="ctr"/>
+            <a:r>
+              <a:rPr lang="en-US" sz="1000" dirty="0">
+                <a:solidFill>
+                  <a:srgbClr val="00B050"/>
+                </a:solidFill>
+                <a:latin typeface="Arial" panose="020B0604020202020204" pitchFamily="34" charset="0"/>
+                <a:cs typeface="Arial" panose="020B0604020202020204" pitchFamily="34" charset="0"/>
+              </a:rPr>
+              <a:t>True</a:t>
+            </a:r>
+          </a:p>
+        </p:txBody>
+      </p:sp>
+      <p:sp>
+        <p:nvSpPr>
+          <p:cNvPr id="75" name="TextBox 74">
+            <a:extLst>
+              <a:ext uri="{FF2B5EF4-FFF2-40B4-BE49-F238E27FC236}">
+                <a16:creationId xmlns:a16="http://schemas.microsoft.com/office/drawing/2014/main" id="{D723CA63-3FCD-446E-49B6-BDEA2B2E187A}"/>
+              </a:ext>
+            </a:extLst>
+          </p:cNvPr>
+          <p:cNvSpPr txBox="1"/>
+          <p:nvPr/>
+        </p:nvSpPr>
+        <p:spPr>
+          <a:xfrm>
+            <a:off x="4629292" y="5545658"/>
+            <a:ext cx="1066863" cy="246221"/>
+          </a:xfrm>
+          <a:prstGeom prst="rect">
+            <a:avLst/>
+          </a:prstGeom>
+          <a:noFill/>
+          <a:ln>
+            <a:noFill/>
+          </a:ln>
+        </p:spPr>
+        <p:txBody>
+          <a:bodyPr wrap="square" rtlCol="0">
+            <a:spAutoFit/>
+          </a:bodyPr>
+          <a:lstStyle/>
+          <a:p>
+            <a:pPr algn="ctr"/>
+            <a:r>
+              <a:rPr lang="en-US" sz="1000" dirty="0">
+                <a:solidFill>
+                  <a:srgbClr val="00B050"/>
+                </a:solidFill>
+                <a:latin typeface="Arial" panose="020B0604020202020204" pitchFamily="34" charset="0"/>
+                <a:cs typeface="Arial" panose="020B0604020202020204" pitchFamily="34" charset="0"/>
+              </a:rPr>
+              <a:t>True</a:t>
+            </a:r>
+          </a:p>
+        </p:txBody>
+      </p:sp>
+      <p:sp>
+        <p:nvSpPr>
+          <p:cNvPr id="76" name="TextBox 75">
+            <a:extLst>
+              <a:ext uri="{FF2B5EF4-FFF2-40B4-BE49-F238E27FC236}">
+                <a16:creationId xmlns:a16="http://schemas.microsoft.com/office/drawing/2014/main" id="{593AD904-4BD2-E347-4041-EA227BCC8AB3}"/>
+              </a:ext>
+            </a:extLst>
+          </p:cNvPr>
+          <p:cNvSpPr txBox="1"/>
+          <p:nvPr/>
+        </p:nvSpPr>
+        <p:spPr>
+          <a:xfrm>
+            <a:off x="6130135" y="5545658"/>
+            <a:ext cx="1066863" cy="246221"/>
+          </a:xfrm>
+          <a:prstGeom prst="rect">
+            <a:avLst/>
+          </a:prstGeom>
+          <a:noFill/>
+          <a:ln>
+            <a:noFill/>
+          </a:ln>
+        </p:spPr>
+        <p:txBody>
+          <a:bodyPr wrap="square" rtlCol="0">
+            <a:spAutoFit/>
+          </a:bodyPr>
+          <a:lstStyle/>
+          <a:p>
+            <a:pPr algn="ctr"/>
+            <a:r>
+              <a:rPr lang="en-US" sz="1000" dirty="0">
+                <a:latin typeface="Arial" panose="020B0604020202020204" pitchFamily="34" charset="0"/>
+                <a:cs typeface="Arial" panose="020B0604020202020204" pitchFamily="34" charset="0"/>
+              </a:rPr>
+              <a:t>N/A</a:t>
+            </a:r>
+          </a:p>
+        </p:txBody>
+      </p:sp>
+      <p:sp>
+        <p:nvSpPr>
+          <p:cNvPr id="77" name="TextBox 76">
+            <a:extLst>
+              <a:ext uri="{FF2B5EF4-FFF2-40B4-BE49-F238E27FC236}">
+                <a16:creationId xmlns:a16="http://schemas.microsoft.com/office/drawing/2014/main" id="{B5A071D0-8F7A-49FC-427E-AF6AF589FEFD}"/>
+              </a:ext>
+            </a:extLst>
+          </p:cNvPr>
+          <p:cNvSpPr txBox="1"/>
+          <p:nvPr/>
+        </p:nvSpPr>
+        <p:spPr>
+          <a:xfrm>
+            <a:off x="8181490" y="5545658"/>
+            <a:ext cx="1066863" cy="246221"/>
+          </a:xfrm>
+          <a:prstGeom prst="rect">
+            <a:avLst/>
+          </a:prstGeom>
+          <a:noFill/>
+          <a:ln>
+            <a:noFill/>
+          </a:ln>
+        </p:spPr>
+        <p:txBody>
+          <a:bodyPr wrap="square" rtlCol="0">
+            <a:spAutoFit/>
+          </a:bodyPr>
+          <a:lstStyle/>
+          <a:p>
+            <a:pPr algn="ctr"/>
+            <a:r>
+              <a:rPr lang="en-US" sz="1000" dirty="0">
+                <a:solidFill>
+                  <a:srgbClr val="00B050"/>
+                </a:solidFill>
+                <a:latin typeface="Arial" panose="020B0604020202020204" pitchFamily="34" charset="0"/>
+                <a:cs typeface="Arial" panose="020B0604020202020204" pitchFamily="34" charset="0"/>
+              </a:rPr>
+              <a:t>True</a:t>
+            </a:r>
+          </a:p>
+        </p:txBody>
+      </p:sp>
+      <p:sp>
+        <p:nvSpPr>
+          <p:cNvPr id="78" name="TextBox 77">
+            <a:extLst>
+              <a:ext uri="{FF2B5EF4-FFF2-40B4-BE49-F238E27FC236}">
+                <a16:creationId xmlns:a16="http://schemas.microsoft.com/office/drawing/2014/main" id="{16AD672D-DC05-1DAD-0AD5-5F383B5E728B}"/>
+              </a:ext>
+            </a:extLst>
+          </p:cNvPr>
+          <p:cNvSpPr txBox="1"/>
+          <p:nvPr/>
+        </p:nvSpPr>
+        <p:spPr>
+          <a:xfrm>
+            <a:off x="9631231" y="5545658"/>
+            <a:ext cx="1066863" cy="246221"/>
+          </a:xfrm>
+          <a:prstGeom prst="rect">
+            <a:avLst/>
+          </a:prstGeom>
+          <a:noFill/>
+          <a:ln>
+            <a:noFill/>
+          </a:ln>
+        </p:spPr>
+        <p:txBody>
+          <a:bodyPr wrap="square" rtlCol="0">
+            <a:spAutoFit/>
+          </a:bodyPr>
+          <a:lstStyle/>
+          <a:p>
+            <a:pPr algn="ctr"/>
+            <a:r>
+              <a:rPr lang="en-US" sz="1000" dirty="0">
+                <a:solidFill>
+                  <a:srgbClr val="00B050"/>
+                </a:solidFill>
+                <a:latin typeface="Arial" panose="020B0604020202020204" pitchFamily="34" charset="0"/>
+                <a:cs typeface="Arial" panose="020B0604020202020204" pitchFamily="34" charset="0"/>
+              </a:rPr>
+              <a:t>True</a:t>
+            </a:r>
+          </a:p>
+        </p:txBody>
+      </p:sp>
+      <p:sp>
+        <p:nvSpPr>
+          <p:cNvPr id="79" name="TextBox 78">
+            <a:extLst>
+              <a:ext uri="{FF2B5EF4-FFF2-40B4-BE49-F238E27FC236}">
+                <a16:creationId xmlns:a16="http://schemas.microsoft.com/office/drawing/2014/main" id="{10EB999B-BD45-D3EE-D75D-CED1E7D6B979}"/>
+              </a:ext>
+            </a:extLst>
+          </p:cNvPr>
+          <p:cNvSpPr txBox="1"/>
+          <p:nvPr/>
+        </p:nvSpPr>
+        <p:spPr>
+          <a:xfrm>
+            <a:off x="11080971" y="5545658"/>
+            <a:ext cx="1066863" cy="246221"/>
+          </a:xfrm>
+          <a:prstGeom prst="rect">
+            <a:avLst/>
+          </a:prstGeom>
+          <a:noFill/>
+          <a:ln>
+            <a:noFill/>
+          </a:ln>
+        </p:spPr>
+        <p:txBody>
+          <a:bodyPr wrap="square" rtlCol="0">
+            <a:spAutoFit/>
+          </a:bodyPr>
+          <a:lstStyle/>
+          <a:p>
+            <a:pPr algn="ctr"/>
+            <a:r>
+              <a:rPr lang="en-US" sz="1000" dirty="0">
+                <a:latin typeface="Arial" panose="020B0604020202020204" pitchFamily="34" charset="0"/>
+                <a:cs typeface="Arial" panose="020B0604020202020204" pitchFamily="34" charset="0"/>
+              </a:rPr>
+              <a:t>N/A</a:t>
+            </a:r>
+          </a:p>
+        </p:txBody>
+      </p:sp>
+    </p:spTree>
+    <p:extLst>
+      <p:ext uri="{BB962C8B-B14F-4D97-AF65-F5344CB8AC3E}">
+        <p14:creationId xmlns:p14="http://schemas.microsoft.com/office/powerpoint/2010/main" val="1276920188"/>
+      </p:ext>
+    </p:extLst>
+  </p:cSld>
+  <p:clrMapOvr>
+    <a:masterClrMapping/>
+  </p:clrMapOvr>
+</p:sld>
+</file>
+
+<file path=ppt/slides/slide2.xml><?xml version="1.0" encoding="utf-8"?>
+<p:sld xmlns:a="http://schemas.openxmlformats.org/drawingml/2006/main" xmlns:r="http://schemas.openxmlformats.org/officeDocument/2006/relationships" xmlns:p="http://schemas.openxmlformats.org/presentationml/2006/main">
+  <p:cSld>
+    <p:spTree>
+      <p:nvGrpSpPr>
+        <p:cNvPr id="1" name="">
+          <a:extLst>
+            <a:ext uri="{FF2B5EF4-FFF2-40B4-BE49-F238E27FC236}">
+              <a16:creationId xmlns:a16="http://schemas.microsoft.com/office/drawing/2014/main" id="{81D6AB24-8EA2-E872-C818-660599990279}"/>
+            </a:ext>
+          </a:extLst>
+        </p:cNvPr>
+        <p:cNvGrpSpPr/>
+        <p:nvPr/>
+      </p:nvGrpSpPr>
+      <p:grpSpPr>
+        <a:xfrm>
+          <a:off x="0" y="0"/>
+          <a:ext cx="0" cy="0"/>
+          <a:chOff x="0" y="0"/>
+          <a:chExt cx="0" cy="0"/>
+        </a:xfrm>
+      </p:grpSpPr>
+      <p:pic>
+        <p:nvPicPr>
+          <p:cNvPr id="3" name="Picture 2">
+            <a:extLst>
+              <a:ext uri="{FF2B5EF4-FFF2-40B4-BE49-F238E27FC236}">
+                <a16:creationId xmlns:a16="http://schemas.microsoft.com/office/drawing/2014/main" id="{046BCD4C-076D-26E7-DF38-1141BFE2595D}"/>
+              </a:ext>
+            </a:extLst>
+          </p:cNvPr>
+          <p:cNvPicPr>
+            <a:picLocks noChangeAspect="1"/>
+          </p:cNvPicPr>
+          <p:nvPr/>
+        </p:nvPicPr>
+        <p:blipFill>
+          <a:blip r:embed="rId3"/>
+          <a:srcRect/>
+          <a:stretch/>
+        </p:blipFill>
+        <p:spPr>
+          <a:xfrm>
+            <a:off x="2846800" y="1935660"/>
+            <a:ext cx="9360000" cy="2674285"/>
+          </a:xfrm>
+          <a:prstGeom prst="rect">
+            <a:avLst/>
+          </a:prstGeom>
+          <a:ln>
+            <a:noFill/>
+          </a:ln>
+        </p:spPr>
+      </p:pic>
+      <p:sp>
+        <p:nvSpPr>
+          <p:cNvPr id="9" name="TextBox 8">
+            <a:extLst>
+              <a:ext uri="{FF2B5EF4-FFF2-40B4-BE49-F238E27FC236}">
+                <a16:creationId xmlns:a16="http://schemas.microsoft.com/office/drawing/2014/main" id="{8D0430F2-4D1F-4C07-F16F-77C532DA4D68}"/>
+              </a:ext>
+            </a:extLst>
+          </p:cNvPr>
+          <p:cNvSpPr txBox="1"/>
+          <p:nvPr/>
+        </p:nvSpPr>
+        <p:spPr>
+          <a:xfrm>
+            <a:off x="3033720" y="1739724"/>
+            <a:ext cx="255199" cy="246221"/>
+          </a:xfrm>
+          <a:prstGeom prst="rect">
+            <a:avLst/>
+          </a:prstGeom>
+          <a:noFill/>
+          <a:ln>
+            <a:noFill/>
+          </a:ln>
+        </p:spPr>
+        <p:txBody>
+          <a:bodyPr wrap="none" rtlCol="0">
+            <a:spAutoFit/>
+          </a:bodyPr>
+          <a:lstStyle/>
+          <a:p>
+            <a:pPr algn="ctr"/>
+            <a:r>
+              <a:rPr lang="en-US" sz="1000" b="1" dirty="0">
+                <a:latin typeface="Arial" panose="020B0604020202020204" pitchFamily="34" charset="0"/>
+                <a:cs typeface="Arial" panose="020B0604020202020204" pitchFamily="34" charset="0"/>
+              </a:rPr>
+              <a:t>a</a:t>
+            </a:r>
+          </a:p>
+        </p:txBody>
+      </p:sp>
+      <p:sp>
+        <p:nvSpPr>
+          <p:cNvPr id="4" name="TextBox 3">
+            <a:extLst>
+              <a:ext uri="{FF2B5EF4-FFF2-40B4-BE49-F238E27FC236}">
+                <a16:creationId xmlns:a16="http://schemas.microsoft.com/office/drawing/2014/main" id="{1CD7F66D-B6F9-FB4A-AE27-E34F68A1C82B}"/>
+              </a:ext>
+            </a:extLst>
+          </p:cNvPr>
+          <p:cNvSpPr txBox="1"/>
+          <p:nvPr/>
+        </p:nvSpPr>
+        <p:spPr>
+          <a:xfrm>
+            <a:off x="4462913" y="1739724"/>
+            <a:ext cx="263214" cy="246221"/>
+          </a:xfrm>
+          <a:prstGeom prst="rect">
+            <a:avLst/>
+          </a:prstGeom>
+          <a:noFill/>
+          <a:ln>
+            <a:noFill/>
+          </a:ln>
+        </p:spPr>
+        <p:txBody>
+          <a:bodyPr wrap="none" rtlCol="0">
+            <a:spAutoFit/>
+          </a:bodyPr>
+          <a:lstStyle/>
+          <a:p>
+            <a:pPr algn="ctr"/>
+            <a:r>
+              <a:rPr lang="en-US" sz="1000" b="1" dirty="0">
+                <a:latin typeface="Arial" panose="020B0604020202020204" pitchFamily="34" charset="0"/>
+                <a:cs typeface="Arial" panose="020B0604020202020204" pitchFamily="34" charset="0"/>
+              </a:rPr>
+              <a:t>b</a:t>
+            </a:r>
+          </a:p>
+        </p:txBody>
+      </p:sp>
+      <p:sp>
+        <p:nvSpPr>
+          <p:cNvPr id="5" name="TextBox 4">
+            <a:extLst>
+              <a:ext uri="{FF2B5EF4-FFF2-40B4-BE49-F238E27FC236}">
+                <a16:creationId xmlns:a16="http://schemas.microsoft.com/office/drawing/2014/main" id="{B496C009-894C-1CB5-7F52-F4836CCAE03A}"/>
+              </a:ext>
+            </a:extLst>
+          </p:cNvPr>
+          <p:cNvSpPr txBox="1"/>
+          <p:nvPr/>
+        </p:nvSpPr>
+        <p:spPr>
+          <a:xfrm>
+            <a:off x="2107549" y="4558348"/>
+            <a:ext cx="859531" cy="246221"/>
+          </a:xfrm>
+          <a:prstGeom prst="rect">
+            <a:avLst/>
+          </a:prstGeom>
+          <a:noFill/>
+          <a:ln>
+            <a:noFill/>
+          </a:ln>
+        </p:spPr>
+        <p:txBody>
+          <a:bodyPr wrap="none" rtlCol="0">
+            <a:spAutoFit/>
+          </a:bodyPr>
+          <a:lstStyle/>
+          <a:p>
+            <a:pPr algn="r"/>
+            <a:r>
+              <a:rPr lang="en-US" sz="1000" b="1" dirty="0">
+                <a:latin typeface="Arial" panose="020B0604020202020204" pitchFamily="34" charset="0"/>
+                <a:cs typeface="Arial" panose="020B0604020202020204" pitchFamily="34" charset="0"/>
+              </a:rPr>
+              <a:t>Graph type</a:t>
+            </a:r>
+          </a:p>
+        </p:txBody>
+      </p:sp>
+      <p:sp>
+        <p:nvSpPr>
+          <p:cNvPr id="6" name="TextBox 5">
+            <a:extLst>
+              <a:ext uri="{FF2B5EF4-FFF2-40B4-BE49-F238E27FC236}">
+                <a16:creationId xmlns:a16="http://schemas.microsoft.com/office/drawing/2014/main" id="{5E0EE2DB-2B22-5B87-D172-31BC4E80C2F5}"/>
+              </a:ext>
+            </a:extLst>
+          </p:cNvPr>
+          <p:cNvSpPr txBox="1"/>
+          <p:nvPr/>
+        </p:nvSpPr>
+        <p:spPr>
+          <a:xfrm>
+            <a:off x="2206935" y="4802752"/>
+            <a:ext cx="760144" cy="246221"/>
+          </a:xfrm>
+          <a:prstGeom prst="rect">
+            <a:avLst/>
+          </a:prstGeom>
+          <a:noFill/>
+          <a:ln>
+            <a:noFill/>
+          </a:ln>
+        </p:spPr>
+        <p:txBody>
+          <a:bodyPr wrap="none" rtlCol="0">
+            <a:spAutoFit/>
+          </a:bodyPr>
+          <a:lstStyle/>
+          <a:p>
+            <a:pPr algn="r"/>
+            <a:r>
+              <a:rPr lang="en-US" sz="1000" b="1" dirty="0">
+                <a:latin typeface="Arial" panose="020B0604020202020204" pitchFamily="34" charset="0"/>
+                <a:cs typeface="Arial" panose="020B0604020202020204" pitchFamily="34" charset="0"/>
+              </a:rPr>
+              <a:t>Data type</a:t>
+            </a:r>
+          </a:p>
+        </p:txBody>
+      </p:sp>
+      <p:sp>
+        <p:nvSpPr>
+          <p:cNvPr id="8" name="TextBox 7">
+            <a:extLst>
+              <a:ext uri="{FF2B5EF4-FFF2-40B4-BE49-F238E27FC236}">
+                <a16:creationId xmlns:a16="http://schemas.microsoft.com/office/drawing/2014/main" id="{DC1CD322-9B86-D2E2-013B-8F2AF2690118}"/>
+              </a:ext>
+            </a:extLst>
+          </p:cNvPr>
+          <p:cNvSpPr txBox="1"/>
+          <p:nvPr/>
+        </p:nvSpPr>
+        <p:spPr>
+          <a:xfrm>
+            <a:off x="2160446" y="5042714"/>
+            <a:ext cx="806632" cy="246221"/>
+          </a:xfrm>
+          <a:prstGeom prst="rect">
+            <a:avLst/>
+          </a:prstGeom>
+          <a:noFill/>
+          <a:ln>
+            <a:noFill/>
+          </a:ln>
+        </p:spPr>
+        <p:txBody>
+          <a:bodyPr wrap="none" rtlCol="0">
+            <a:spAutoFit/>
+          </a:bodyPr>
+          <a:lstStyle/>
+          <a:p>
+            <a:pPr algn="r"/>
+            <a:r>
+              <a:rPr lang="en-US" sz="1000" b="1" dirty="0">
+                <a:latin typeface="Arial" panose="020B0604020202020204" pitchFamily="34" charset="0"/>
+                <a:cs typeface="Arial" panose="020B0604020202020204" pitchFamily="34" charset="0"/>
+              </a:rPr>
+              <a:t>Axis scale</a:t>
+            </a:r>
+          </a:p>
+        </p:txBody>
+      </p:sp>
+      <p:sp>
+        <p:nvSpPr>
+          <p:cNvPr id="12" name="TextBox 11">
+            <a:extLst>
+              <a:ext uri="{FF2B5EF4-FFF2-40B4-BE49-F238E27FC236}">
+                <a16:creationId xmlns:a16="http://schemas.microsoft.com/office/drawing/2014/main" id="{6D82FCFF-7ECC-7EEB-A8FD-93BAEE68705B}"/>
+              </a:ext>
+            </a:extLst>
+          </p:cNvPr>
+          <p:cNvSpPr txBox="1"/>
+          <p:nvPr/>
+        </p:nvSpPr>
+        <p:spPr>
+          <a:xfrm>
+            <a:off x="2165255" y="5295194"/>
+            <a:ext cx="801823" cy="246221"/>
+          </a:xfrm>
+          <a:prstGeom prst="rect">
+            <a:avLst/>
+          </a:prstGeom>
+          <a:noFill/>
+          <a:ln>
+            <a:noFill/>
+          </a:ln>
+        </p:spPr>
+        <p:txBody>
+          <a:bodyPr wrap="none" rtlCol="0">
+            <a:spAutoFit/>
+          </a:bodyPr>
+          <a:lstStyle/>
+          <a:p>
+            <a:pPr algn="r"/>
+            <a:r>
+              <a:rPr lang="en-US" sz="1000" b="1" dirty="0">
+                <a:latin typeface="Arial" panose="020B0604020202020204" pitchFamily="34" charset="0"/>
+                <a:cs typeface="Arial" panose="020B0604020202020204" pitchFamily="34" charset="0"/>
+              </a:rPr>
+              <a:t>Starts at 0</a:t>
+            </a:r>
+          </a:p>
+        </p:txBody>
+      </p:sp>
+      <p:sp>
+        <p:nvSpPr>
+          <p:cNvPr id="13" name="TextBox 12">
+            <a:extLst>
+              <a:ext uri="{FF2B5EF4-FFF2-40B4-BE49-F238E27FC236}">
+                <a16:creationId xmlns:a16="http://schemas.microsoft.com/office/drawing/2014/main" id="{BB60F6BD-49F6-1393-4425-92E57BE79E78}"/>
+              </a:ext>
+            </a:extLst>
+          </p:cNvPr>
+          <p:cNvSpPr txBox="1"/>
+          <p:nvPr/>
+        </p:nvSpPr>
+        <p:spPr>
+          <a:xfrm>
+            <a:off x="2037015" y="5794377"/>
+            <a:ext cx="930063" cy="246221"/>
+          </a:xfrm>
+          <a:prstGeom prst="rect">
+            <a:avLst/>
+          </a:prstGeom>
+          <a:noFill/>
+          <a:ln>
+            <a:noFill/>
+          </a:ln>
+        </p:spPr>
+        <p:txBody>
+          <a:bodyPr wrap="none" rtlCol="0">
+            <a:spAutoFit/>
+          </a:bodyPr>
+          <a:lstStyle/>
+          <a:p>
+            <a:pPr algn="r"/>
+            <a:r>
+              <a:rPr lang="en-US" sz="1000" b="1" dirty="0">
+                <a:latin typeface="Arial" panose="020B0604020202020204" pitchFamily="34" charset="0"/>
+                <a:cs typeface="Arial" panose="020B0604020202020204" pitchFamily="34" charset="0"/>
+              </a:rPr>
+              <a:t>Correctness</a:t>
+            </a:r>
+          </a:p>
+        </p:txBody>
+      </p:sp>
+      <p:sp>
+        <p:nvSpPr>
+          <p:cNvPr id="14" name="TextBox 13">
+            <a:extLst>
+              <a:ext uri="{FF2B5EF4-FFF2-40B4-BE49-F238E27FC236}">
+                <a16:creationId xmlns:a16="http://schemas.microsoft.com/office/drawing/2014/main" id="{46E09833-3C4B-5EF3-67E4-93D327E421B3}"/>
+              </a:ext>
+            </a:extLst>
+          </p:cNvPr>
+          <p:cNvSpPr txBox="1"/>
+          <p:nvPr/>
+        </p:nvSpPr>
+        <p:spPr>
+          <a:xfrm>
+            <a:off x="2356013" y="6037915"/>
+            <a:ext cx="611065" cy="246221"/>
+          </a:xfrm>
+          <a:prstGeom prst="rect">
+            <a:avLst/>
+          </a:prstGeom>
+          <a:noFill/>
+          <a:ln>
+            <a:noFill/>
+          </a:ln>
+        </p:spPr>
+        <p:txBody>
+          <a:bodyPr wrap="none" rtlCol="0">
+            <a:spAutoFit/>
+          </a:bodyPr>
+          <a:lstStyle/>
+          <a:p>
+            <a:pPr algn="r"/>
+            <a:r>
+              <a:rPr lang="en-US" sz="1000" b="1" dirty="0">
+                <a:latin typeface="Arial" panose="020B0604020202020204" pitchFamily="34" charset="0"/>
+                <a:cs typeface="Arial" panose="020B0604020202020204" pitchFamily="34" charset="0"/>
+              </a:rPr>
+              <a:t>log </a:t>
+            </a:r>
+            <a:r>
+              <a:rPr lang="en-US" sz="1000" b="1" i="1" dirty="0">
+                <a:latin typeface="Arial" panose="020B0604020202020204" pitchFamily="34" charset="0"/>
+                <a:cs typeface="Arial" panose="020B0604020202020204" pitchFamily="34" charset="0"/>
+              </a:rPr>
+              <a:t>L</a:t>
+            </a:r>
+            <a:r>
+              <a:rPr lang="en-US" sz="1000" b="1" baseline="-25000" dirty="0">
+                <a:latin typeface="Arial" panose="020B0604020202020204" pitchFamily="34" charset="0"/>
+                <a:cs typeface="Arial" panose="020B0604020202020204" pitchFamily="34" charset="0"/>
+              </a:rPr>
+              <a:t>1/2</a:t>
+            </a:r>
+          </a:p>
+        </p:txBody>
+      </p:sp>
+      <p:sp>
+        <p:nvSpPr>
+          <p:cNvPr id="15" name="TextBox 14">
+            <a:extLst>
+              <a:ext uri="{FF2B5EF4-FFF2-40B4-BE49-F238E27FC236}">
+                <a16:creationId xmlns:a16="http://schemas.microsoft.com/office/drawing/2014/main" id="{ED946DEC-034A-1840-9862-BD5F5D3E266E}"/>
+              </a:ext>
+            </a:extLst>
+          </p:cNvPr>
+          <p:cNvSpPr txBox="1"/>
+          <p:nvPr/>
+        </p:nvSpPr>
+        <p:spPr>
+          <a:xfrm>
+            <a:off x="2356013" y="6281453"/>
+            <a:ext cx="611066" cy="246221"/>
+          </a:xfrm>
+          <a:prstGeom prst="rect">
+            <a:avLst/>
+          </a:prstGeom>
+          <a:noFill/>
+          <a:ln>
+            <a:noFill/>
+          </a:ln>
+        </p:spPr>
+        <p:txBody>
+          <a:bodyPr wrap="none" rtlCol="0">
+            <a:spAutoFit/>
+          </a:bodyPr>
+          <a:lstStyle/>
+          <a:p>
+            <a:pPr algn="r"/>
+            <a:r>
+              <a:rPr lang="en-US" sz="1000" b="1" dirty="0">
+                <a:latin typeface="Arial" panose="020B0604020202020204" pitchFamily="34" charset="0"/>
+                <a:cs typeface="Arial" panose="020B0604020202020204" pitchFamily="34" charset="0"/>
+              </a:rPr>
+              <a:t>log </a:t>
+            </a:r>
+            <a:r>
+              <a:rPr lang="en-US" sz="1000" b="1" i="1" dirty="0">
+                <a:latin typeface="Arial" panose="020B0604020202020204" pitchFamily="34" charset="0"/>
+                <a:cs typeface="Arial" panose="020B0604020202020204" pitchFamily="34" charset="0"/>
+              </a:rPr>
+              <a:t>F</a:t>
+            </a:r>
+            <a:r>
+              <a:rPr lang="en-US" sz="1000" b="1" baseline="-25000" dirty="0">
+                <a:latin typeface="Arial" panose="020B0604020202020204" pitchFamily="34" charset="0"/>
+                <a:cs typeface="Arial" panose="020B0604020202020204" pitchFamily="34" charset="0"/>
+              </a:rPr>
+              <a:t>1/2</a:t>
+            </a:r>
+          </a:p>
+        </p:txBody>
+      </p:sp>
+      <p:sp>
+        <p:nvSpPr>
+          <p:cNvPr id="16" name="TextBox 15">
+            <a:extLst>
+              <a:ext uri="{FF2B5EF4-FFF2-40B4-BE49-F238E27FC236}">
+                <a16:creationId xmlns:a16="http://schemas.microsoft.com/office/drawing/2014/main" id="{1480C39B-0E68-D8A4-733A-17690C7B6B11}"/>
+              </a:ext>
+            </a:extLst>
+          </p:cNvPr>
+          <p:cNvSpPr txBox="1"/>
+          <p:nvPr/>
+        </p:nvSpPr>
+        <p:spPr>
+          <a:xfrm>
+            <a:off x="2184491" y="6531223"/>
+            <a:ext cx="782587" cy="246221"/>
+          </a:xfrm>
+          <a:prstGeom prst="rect">
+            <a:avLst/>
+          </a:prstGeom>
+          <a:noFill/>
+          <a:ln>
+            <a:noFill/>
+          </a:ln>
+        </p:spPr>
+        <p:txBody>
+          <a:bodyPr wrap="none" rtlCol="0">
+            <a:spAutoFit/>
+          </a:bodyPr>
+          <a:lstStyle/>
+          <a:p>
+            <a:pPr algn="r"/>
+            <a:r>
+              <a:rPr lang="en-US" sz="1000" b="1" dirty="0">
+                <a:latin typeface="Arial" panose="020B0604020202020204" pitchFamily="34" charset="0"/>
+                <a:cs typeface="Arial" panose="020B0604020202020204" pitchFamily="34" charset="0"/>
+              </a:rPr>
+              <a:t>log RCVQ</a:t>
+            </a:r>
+            <a:endParaRPr lang="en-US" sz="1000" b="1" baseline="-25000" dirty="0">
+              <a:latin typeface="Arial" panose="020B0604020202020204" pitchFamily="34" charset="0"/>
+              <a:cs typeface="Arial" panose="020B0604020202020204" pitchFamily="34" charset="0"/>
+            </a:endParaRPr>
+          </a:p>
+        </p:txBody>
+      </p:sp>
+      <p:sp>
+        <p:nvSpPr>
+          <p:cNvPr id="17" name="TextBox 16">
+            <a:extLst>
+              <a:ext uri="{FF2B5EF4-FFF2-40B4-BE49-F238E27FC236}">
+                <a16:creationId xmlns:a16="http://schemas.microsoft.com/office/drawing/2014/main" id="{E303EA3C-132D-9650-C30D-FEB48BBB3F15}"/>
+              </a:ext>
+            </a:extLst>
+          </p:cNvPr>
+          <p:cNvSpPr txBox="1"/>
+          <p:nvPr/>
+        </p:nvSpPr>
+        <p:spPr>
+          <a:xfrm>
+            <a:off x="2176477" y="6777444"/>
+            <a:ext cx="790601" cy="246221"/>
+          </a:xfrm>
+          <a:prstGeom prst="rect">
+            <a:avLst/>
+          </a:prstGeom>
+          <a:noFill/>
+          <a:ln>
+            <a:noFill/>
+          </a:ln>
+        </p:spPr>
+        <p:txBody>
+          <a:bodyPr wrap="none" rtlCol="0">
+            <a:spAutoFit/>
+          </a:bodyPr>
+          <a:lstStyle/>
+          <a:p>
+            <a:pPr algn="r"/>
+            <a:r>
+              <a:rPr lang="en-US" sz="1000" b="1" dirty="0">
+                <a:latin typeface="Arial" panose="020B0604020202020204" pitchFamily="34" charset="0"/>
+                <a:cs typeface="Arial" panose="020B0604020202020204" pitchFamily="34" charset="0"/>
+              </a:rPr>
+              <a:t>log RCVM</a:t>
+            </a:r>
+            <a:endParaRPr lang="en-US" sz="1000" b="1" baseline="-25000" dirty="0">
+              <a:latin typeface="Arial" panose="020B0604020202020204" pitchFamily="34" charset="0"/>
+              <a:cs typeface="Arial" panose="020B0604020202020204" pitchFamily="34" charset="0"/>
+            </a:endParaRPr>
+          </a:p>
+        </p:txBody>
+      </p:sp>
+      <p:sp>
+        <p:nvSpPr>
+          <p:cNvPr id="18" name="TextBox 17">
+            <a:extLst>
+              <a:ext uri="{FF2B5EF4-FFF2-40B4-BE49-F238E27FC236}">
+                <a16:creationId xmlns:a16="http://schemas.microsoft.com/office/drawing/2014/main" id="{2EE9DA0D-5130-F0CB-3690-46CF0CA604A6}"/>
+              </a:ext>
+            </a:extLst>
+          </p:cNvPr>
+          <p:cNvSpPr txBox="1"/>
+          <p:nvPr/>
+        </p:nvSpPr>
+        <p:spPr>
+          <a:xfrm>
+            <a:off x="3191011" y="4558348"/>
+            <a:ext cx="1066863" cy="246221"/>
+          </a:xfrm>
+          <a:prstGeom prst="rect">
+            <a:avLst/>
+          </a:prstGeom>
+          <a:noFill/>
+          <a:ln>
+            <a:noFill/>
+          </a:ln>
+        </p:spPr>
+        <p:txBody>
+          <a:bodyPr wrap="square" rtlCol="0">
+            <a:spAutoFit/>
+          </a:bodyPr>
+          <a:lstStyle/>
+          <a:p>
+            <a:pPr algn="ctr"/>
+            <a:r>
+              <a:rPr lang="en-US" sz="1000" dirty="0">
+                <a:latin typeface="Arial" panose="020B0604020202020204" pitchFamily="34" charset="0"/>
+                <a:cs typeface="Arial" panose="020B0604020202020204" pitchFamily="34" charset="0"/>
+              </a:rPr>
+              <a:t>Bar graph</a:t>
+            </a:r>
+          </a:p>
+        </p:txBody>
+      </p:sp>
+      <p:sp>
+        <p:nvSpPr>
+          <p:cNvPr id="19" name="TextBox 18">
+            <a:extLst>
+              <a:ext uri="{FF2B5EF4-FFF2-40B4-BE49-F238E27FC236}">
+                <a16:creationId xmlns:a16="http://schemas.microsoft.com/office/drawing/2014/main" id="{0A04BFC9-D508-80D7-E415-61BF44E00776}"/>
+              </a:ext>
+            </a:extLst>
+          </p:cNvPr>
+          <p:cNvSpPr txBox="1"/>
+          <p:nvPr/>
+        </p:nvSpPr>
+        <p:spPr>
+          <a:xfrm>
+            <a:off x="4629292" y="4558348"/>
+            <a:ext cx="1066863" cy="246221"/>
+          </a:xfrm>
+          <a:prstGeom prst="rect">
+            <a:avLst/>
+          </a:prstGeom>
+          <a:noFill/>
+          <a:ln>
+            <a:noFill/>
+          </a:ln>
+        </p:spPr>
+        <p:txBody>
+          <a:bodyPr wrap="square" rtlCol="0">
+            <a:spAutoFit/>
+          </a:bodyPr>
+          <a:lstStyle/>
+          <a:p>
+            <a:pPr algn="ctr"/>
+            <a:r>
+              <a:rPr lang="en-US" sz="1000" dirty="0">
+                <a:latin typeface="Arial" panose="020B0604020202020204" pitchFamily="34" charset="0"/>
+                <a:cs typeface="Arial" panose="020B0604020202020204" pitchFamily="34" charset="0"/>
+              </a:rPr>
+              <a:t>Bar graph</a:t>
+            </a:r>
+          </a:p>
+        </p:txBody>
+      </p:sp>
+      <p:sp>
+        <p:nvSpPr>
+          <p:cNvPr id="20" name="TextBox 19">
+            <a:extLst>
+              <a:ext uri="{FF2B5EF4-FFF2-40B4-BE49-F238E27FC236}">
+                <a16:creationId xmlns:a16="http://schemas.microsoft.com/office/drawing/2014/main" id="{BED2D426-883B-380B-9618-746BAF892301}"/>
+              </a:ext>
+            </a:extLst>
+          </p:cNvPr>
+          <p:cNvSpPr txBox="1"/>
+          <p:nvPr/>
+        </p:nvSpPr>
+        <p:spPr>
+          <a:xfrm>
+            <a:off x="3191011" y="4805881"/>
+            <a:ext cx="1066863" cy="246221"/>
+          </a:xfrm>
+          <a:prstGeom prst="rect">
+            <a:avLst/>
+          </a:prstGeom>
+          <a:noFill/>
+          <a:ln>
+            <a:noFill/>
+          </a:ln>
+        </p:spPr>
+        <p:txBody>
+          <a:bodyPr wrap="square" rtlCol="0">
+            <a:spAutoFit/>
+          </a:bodyPr>
+          <a:lstStyle/>
+          <a:p>
+            <a:pPr algn="ctr"/>
+            <a:r>
+              <a:rPr lang="en-US" sz="1000" dirty="0">
+                <a:latin typeface="Arial" panose="020B0604020202020204" pitchFamily="34" charset="0"/>
+                <a:cs typeface="Arial" panose="020B0604020202020204" pitchFamily="34" charset="0"/>
+              </a:rPr>
+              <a:t>Original</a:t>
+            </a:r>
+          </a:p>
+        </p:txBody>
+      </p:sp>
+      <p:sp>
+        <p:nvSpPr>
+          <p:cNvPr id="21" name="TextBox 20">
+            <a:extLst>
+              <a:ext uri="{FF2B5EF4-FFF2-40B4-BE49-F238E27FC236}">
+                <a16:creationId xmlns:a16="http://schemas.microsoft.com/office/drawing/2014/main" id="{B0F8F4A8-D63C-BF4A-09CD-D97BAA99D224}"/>
+              </a:ext>
+            </a:extLst>
+          </p:cNvPr>
+          <p:cNvSpPr txBox="1"/>
+          <p:nvPr/>
+        </p:nvSpPr>
+        <p:spPr>
+          <a:xfrm>
+            <a:off x="4629292" y="4805881"/>
+            <a:ext cx="1066863" cy="246221"/>
+          </a:xfrm>
+          <a:prstGeom prst="rect">
+            <a:avLst/>
+          </a:prstGeom>
+          <a:noFill/>
+          <a:ln>
+            <a:noFill/>
+          </a:ln>
+        </p:spPr>
+        <p:txBody>
+          <a:bodyPr wrap="square" rtlCol="0">
+            <a:spAutoFit/>
+          </a:bodyPr>
+          <a:lstStyle/>
+          <a:p>
+            <a:pPr algn="ctr"/>
+            <a:r>
+              <a:rPr lang="en-US" sz="1000" dirty="0">
+                <a:latin typeface="Arial" panose="020B0604020202020204" pitchFamily="34" charset="0"/>
+                <a:cs typeface="Arial" panose="020B0604020202020204" pitchFamily="34" charset="0"/>
+              </a:rPr>
+              <a:t>Original</a:t>
+            </a:r>
+          </a:p>
+        </p:txBody>
+      </p:sp>
+      <p:sp>
+        <p:nvSpPr>
+          <p:cNvPr id="22" name="TextBox 21">
+            <a:extLst>
+              <a:ext uri="{FF2B5EF4-FFF2-40B4-BE49-F238E27FC236}">
+                <a16:creationId xmlns:a16="http://schemas.microsoft.com/office/drawing/2014/main" id="{F81B733A-2580-40CC-E03B-B9D698F4F752}"/>
+              </a:ext>
+            </a:extLst>
+          </p:cNvPr>
+          <p:cNvSpPr txBox="1"/>
+          <p:nvPr/>
+        </p:nvSpPr>
+        <p:spPr>
+          <a:xfrm>
+            <a:off x="3191011" y="5048973"/>
+            <a:ext cx="1066863" cy="246221"/>
+          </a:xfrm>
+          <a:prstGeom prst="rect">
+            <a:avLst/>
+          </a:prstGeom>
+          <a:noFill/>
+          <a:ln>
+            <a:noFill/>
+          </a:ln>
+        </p:spPr>
+        <p:txBody>
+          <a:bodyPr wrap="square" rtlCol="0">
+            <a:spAutoFit/>
+          </a:bodyPr>
+          <a:lstStyle/>
+          <a:p>
+            <a:pPr algn="ctr"/>
+            <a:r>
+              <a:rPr lang="en-US" sz="1000" dirty="0">
+                <a:latin typeface="Arial" panose="020B0604020202020204" pitchFamily="34" charset="0"/>
+                <a:cs typeface="Arial" panose="020B0604020202020204" pitchFamily="34" charset="0"/>
+              </a:rPr>
+              <a:t>Linear</a:t>
+            </a:r>
+          </a:p>
+        </p:txBody>
+      </p:sp>
+      <p:sp>
+        <p:nvSpPr>
+          <p:cNvPr id="23" name="TextBox 22">
+            <a:extLst>
+              <a:ext uri="{FF2B5EF4-FFF2-40B4-BE49-F238E27FC236}">
+                <a16:creationId xmlns:a16="http://schemas.microsoft.com/office/drawing/2014/main" id="{9AFC0C44-5258-420E-E59B-AD04E6EF885D}"/>
+              </a:ext>
+            </a:extLst>
+          </p:cNvPr>
+          <p:cNvSpPr txBox="1"/>
+          <p:nvPr/>
+        </p:nvSpPr>
+        <p:spPr>
+          <a:xfrm>
+            <a:off x="4629292" y="5048973"/>
+            <a:ext cx="1066863" cy="246221"/>
+          </a:xfrm>
+          <a:prstGeom prst="rect">
+            <a:avLst/>
+          </a:prstGeom>
+          <a:noFill/>
+          <a:ln>
+            <a:noFill/>
+          </a:ln>
+        </p:spPr>
+        <p:txBody>
+          <a:bodyPr wrap="square" rtlCol="0">
+            <a:spAutoFit/>
+          </a:bodyPr>
+          <a:lstStyle/>
+          <a:p>
+            <a:pPr algn="ctr"/>
+            <a:r>
+              <a:rPr lang="en-US" sz="1000" dirty="0">
+                <a:latin typeface="Arial" panose="020B0604020202020204" pitchFamily="34" charset="0"/>
+                <a:cs typeface="Arial" panose="020B0604020202020204" pitchFamily="34" charset="0"/>
+              </a:rPr>
+              <a:t>Linear</a:t>
+            </a:r>
+          </a:p>
+        </p:txBody>
+      </p:sp>
+      <p:sp>
+        <p:nvSpPr>
+          <p:cNvPr id="24" name="TextBox 23">
+            <a:extLst>
+              <a:ext uri="{FF2B5EF4-FFF2-40B4-BE49-F238E27FC236}">
+                <a16:creationId xmlns:a16="http://schemas.microsoft.com/office/drawing/2014/main" id="{DEF22456-E316-7D3C-C7B2-FD9082F314E7}"/>
+              </a:ext>
+            </a:extLst>
+          </p:cNvPr>
+          <p:cNvSpPr txBox="1"/>
+          <p:nvPr/>
+        </p:nvSpPr>
+        <p:spPr>
+          <a:xfrm>
+            <a:off x="3191011" y="5299796"/>
+            <a:ext cx="1066863" cy="246221"/>
+          </a:xfrm>
+          <a:prstGeom prst="rect">
+            <a:avLst/>
+          </a:prstGeom>
+          <a:noFill/>
+          <a:ln>
+            <a:noFill/>
+          </a:ln>
+        </p:spPr>
+        <p:txBody>
+          <a:bodyPr wrap="square" rtlCol="0">
+            <a:spAutoFit/>
+          </a:bodyPr>
+          <a:lstStyle/>
+          <a:p>
+            <a:pPr algn="ctr"/>
+            <a:r>
+              <a:rPr lang="en-US" sz="1000" dirty="0">
+                <a:latin typeface="Arial" panose="020B0604020202020204" pitchFamily="34" charset="0"/>
+                <a:cs typeface="Arial" panose="020B0604020202020204" pitchFamily="34" charset="0"/>
+              </a:rPr>
+              <a:t>True</a:t>
+            </a:r>
+          </a:p>
+        </p:txBody>
+      </p:sp>
+      <p:sp>
+        <p:nvSpPr>
+          <p:cNvPr id="25" name="TextBox 24">
+            <a:extLst>
+              <a:ext uri="{FF2B5EF4-FFF2-40B4-BE49-F238E27FC236}">
+                <a16:creationId xmlns:a16="http://schemas.microsoft.com/office/drawing/2014/main" id="{0AD4CC74-B08A-1960-C11D-06367B8A0A19}"/>
+              </a:ext>
+            </a:extLst>
+          </p:cNvPr>
+          <p:cNvSpPr txBox="1"/>
+          <p:nvPr/>
+        </p:nvSpPr>
+        <p:spPr>
+          <a:xfrm>
+            <a:off x="4629292" y="5299796"/>
+            <a:ext cx="1066863" cy="246221"/>
+          </a:xfrm>
+          <a:prstGeom prst="rect">
+            <a:avLst/>
+          </a:prstGeom>
+          <a:noFill/>
+          <a:ln>
+            <a:noFill/>
+          </a:ln>
+        </p:spPr>
+        <p:txBody>
+          <a:bodyPr wrap="square" rtlCol="0">
+            <a:spAutoFit/>
+          </a:bodyPr>
+          <a:lstStyle/>
+          <a:p>
+            <a:pPr algn="ctr"/>
+            <a:r>
+              <a:rPr lang="en-US" sz="1000" dirty="0">
+                <a:latin typeface="Arial" panose="020B0604020202020204" pitchFamily="34" charset="0"/>
+                <a:cs typeface="Arial" panose="020B0604020202020204" pitchFamily="34" charset="0"/>
+              </a:rPr>
+              <a:t>False</a:t>
+            </a:r>
+          </a:p>
+        </p:txBody>
+      </p:sp>
+      <p:sp>
+        <p:nvSpPr>
+          <p:cNvPr id="26" name="TextBox 25">
+            <a:extLst>
+              <a:ext uri="{FF2B5EF4-FFF2-40B4-BE49-F238E27FC236}">
+                <a16:creationId xmlns:a16="http://schemas.microsoft.com/office/drawing/2014/main" id="{08D43408-5E4B-B6D0-CBBB-E766406F6BFC}"/>
               </a:ext>
             </a:extLst>
           </p:cNvPr>
@@ -4330,7 +7866,7 @@
           <p:cNvPr id="27" name="TextBox 26">
             <a:extLst>
               <a:ext uri="{FF2B5EF4-FFF2-40B4-BE49-F238E27FC236}">
-                <a16:creationId xmlns:a16="http://schemas.microsoft.com/office/drawing/2014/main" id="{AFC58E3E-5314-28FE-D608-F093890A2682}"/>
+                <a16:creationId xmlns:a16="http://schemas.microsoft.com/office/drawing/2014/main" id="{4A70DA90-7639-F4E5-F651-66C61B6C978E}"/>
               </a:ext>
             </a:extLst>
           </p:cNvPr>
@@ -4382,7 +7918,7 @@
           <p:cNvPr id="31" name="TextBox 30">
             <a:extLst>
               <a:ext uri="{FF2B5EF4-FFF2-40B4-BE49-F238E27FC236}">
-                <a16:creationId xmlns:a16="http://schemas.microsoft.com/office/drawing/2014/main" id="{883018CF-B463-AD0E-F915-F098E42711ED}"/>
+                <a16:creationId xmlns:a16="http://schemas.microsoft.com/office/drawing/2014/main" id="{58EB5D2E-A3BA-F0EC-B48F-4533AA957F75}"/>
               </a:ext>
             </a:extLst>
           </p:cNvPr>
@@ -4424,7 +7960,7 @@
           <p:cNvPr id="32" name="TextBox 31">
             <a:extLst>
               <a:ext uri="{FF2B5EF4-FFF2-40B4-BE49-F238E27FC236}">
-                <a16:creationId xmlns:a16="http://schemas.microsoft.com/office/drawing/2014/main" id="{D805F7AF-E1B3-9D78-551F-6D429E1834BF}"/>
+                <a16:creationId xmlns:a16="http://schemas.microsoft.com/office/drawing/2014/main" id="{5547D01A-EE6D-7019-478C-F1E0E0AF8E7B}"/>
               </a:ext>
             </a:extLst>
           </p:cNvPr>
@@ -4466,7 +8002,7 @@
           <p:cNvPr id="33" name="TextBox 32">
             <a:extLst>
               <a:ext uri="{FF2B5EF4-FFF2-40B4-BE49-F238E27FC236}">
-                <a16:creationId xmlns:a16="http://schemas.microsoft.com/office/drawing/2014/main" id="{0BF0EC1A-7CDD-C5D8-84B9-3B1633FD812D}"/>
+                <a16:creationId xmlns:a16="http://schemas.microsoft.com/office/drawing/2014/main" id="{52217071-9A9B-07BE-ECA2-7B7771C15C50}"/>
               </a:ext>
             </a:extLst>
           </p:cNvPr>
@@ -4508,7 +8044,7 @@
           <p:cNvPr id="34" name="TextBox 33">
             <a:extLst>
               <a:ext uri="{FF2B5EF4-FFF2-40B4-BE49-F238E27FC236}">
-                <a16:creationId xmlns:a16="http://schemas.microsoft.com/office/drawing/2014/main" id="{BCA4C65F-286C-9AC4-EF6D-47D8CDD4DFC7}"/>
+                <a16:creationId xmlns:a16="http://schemas.microsoft.com/office/drawing/2014/main" id="{44D0156B-3ABE-2A82-C2A1-BAD33C461D16}"/>
               </a:ext>
             </a:extLst>
           </p:cNvPr>
@@ -4550,7 +8086,7 @@
           <p:cNvPr id="35" name="TextBox 34">
             <a:extLst>
               <a:ext uri="{FF2B5EF4-FFF2-40B4-BE49-F238E27FC236}">
-                <a16:creationId xmlns:a16="http://schemas.microsoft.com/office/drawing/2014/main" id="{25028200-1D15-8DF1-EA88-0651B77009A8}"/>
+                <a16:creationId xmlns:a16="http://schemas.microsoft.com/office/drawing/2014/main" id="{6081E73C-78BC-8F29-957E-70E0A6102319}"/>
               </a:ext>
             </a:extLst>
           </p:cNvPr>
@@ -4596,7 +8132,7 @@
           <p:cNvPr id="36" name="TextBox 35">
             <a:extLst>
               <a:ext uri="{FF2B5EF4-FFF2-40B4-BE49-F238E27FC236}">
-                <a16:creationId xmlns:a16="http://schemas.microsoft.com/office/drawing/2014/main" id="{5FE06422-099E-A51D-9908-48F739F9290A}"/>
+                <a16:creationId xmlns:a16="http://schemas.microsoft.com/office/drawing/2014/main" id="{53CB909D-415C-A38E-B7AC-E43930579504}"/>
               </a:ext>
             </a:extLst>
           </p:cNvPr>
@@ -4638,7 +8174,7 @@
           <p:cNvPr id="37" name="TextBox 36">
             <a:extLst>
               <a:ext uri="{FF2B5EF4-FFF2-40B4-BE49-F238E27FC236}">
-                <a16:creationId xmlns:a16="http://schemas.microsoft.com/office/drawing/2014/main" id="{30368F84-3E8F-E973-249D-42F56372B7ED}"/>
+                <a16:creationId xmlns:a16="http://schemas.microsoft.com/office/drawing/2014/main" id="{408305DA-EF93-25DE-A143-BE43C97E498F}"/>
               </a:ext>
             </a:extLst>
           </p:cNvPr>
@@ -4684,7 +8220,7 @@
           <p:cNvPr id="38" name="TextBox 37">
             <a:extLst>
               <a:ext uri="{FF2B5EF4-FFF2-40B4-BE49-F238E27FC236}">
-                <a16:creationId xmlns:a16="http://schemas.microsoft.com/office/drawing/2014/main" id="{9E4C23CF-7D6D-2E36-127D-748EA758ACE3}"/>
+                <a16:creationId xmlns:a16="http://schemas.microsoft.com/office/drawing/2014/main" id="{13512539-E82F-4B3A-7DA7-B31DE11B4464}"/>
               </a:ext>
             </a:extLst>
           </p:cNvPr>
@@ -4726,7 +8262,7 @@
           <p:cNvPr id="7" name="TextBox 6">
             <a:extLst>
               <a:ext uri="{FF2B5EF4-FFF2-40B4-BE49-F238E27FC236}">
-                <a16:creationId xmlns:a16="http://schemas.microsoft.com/office/drawing/2014/main" id="{A66EE19A-B3F2-FB5D-FCC6-73E571886704}"/>
+                <a16:creationId xmlns:a16="http://schemas.microsoft.com/office/drawing/2014/main" id="{51F5C761-2156-491A-A826-19E04FE20E1B}"/>
               </a:ext>
             </a:extLst>
           </p:cNvPr>
@@ -4768,7 +8304,7 @@
           <p:cNvPr id="10" name="TextBox 9">
             <a:extLst>
               <a:ext uri="{FF2B5EF4-FFF2-40B4-BE49-F238E27FC236}">
-                <a16:creationId xmlns:a16="http://schemas.microsoft.com/office/drawing/2014/main" id="{AD766AF9-1BE5-FFE4-69CC-F6C019AEBDB6}"/>
+                <a16:creationId xmlns:a16="http://schemas.microsoft.com/office/drawing/2014/main" id="{FB0A5D96-3ABE-61BA-0901-73D8E22AEDEB}"/>
               </a:ext>
             </a:extLst>
           </p:cNvPr>
@@ -4810,7 +8346,7 @@
           <p:cNvPr id="11" name="TextBox 10">
             <a:extLst>
               <a:ext uri="{FF2B5EF4-FFF2-40B4-BE49-F238E27FC236}">
-                <a16:creationId xmlns:a16="http://schemas.microsoft.com/office/drawing/2014/main" id="{C20ECA47-BDE9-052A-5BC5-58AFB0CB34CC}"/>
+                <a16:creationId xmlns:a16="http://schemas.microsoft.com/office/drawing/2014/main" id="{DF616ECC-C61A-C75B-4E65-A6E264A5194B}"/>
               </a:ext>
             </a:extLst>
           </p:cNvPr>
@@ -4852,7 +8388,7 @@
           <p:cNvPr id="28" name="TextBox 27">
             <a:extLst>
               <a:ext uri="{FF2B5EF4-FFF2-40B4-BE49-F238E27FC236}">
-                <a16:creationId xmlns:a16="http://schemas.microsoft.com/office/drawing/2014/main" id="{A6445AAF-81D5-66A7-371C-2117282F66E3}"/>
+                <a16:creationId xmlns:a16="http://schemas.microsoft.com/office/drawing/2014/main" id="{213DE553-6C66-3946-A57D-E23991C24CB2}"/>
               </a:ext>
             </a:extLst>
           </p:cNvPr>
@@ -4894,7 +8430,7 @@
           <p:cNvPr id="29" name="TextBox 28">
             <a:extLst>
               <a:ext uri="{FF2B5EF4-FFF2-40B4-BE49-F238E27FC236}">
-                <a16:creationId xmlns:a16="http://schemas.microsoft.com/office/drawing/2014/main" id="{D03591A9-6017-3942-50DD-AEE54E9AEEC8}"/>
+                <a16:creationId xmlns:a16="http://schemas.microsoft.com/office/drawing/2014/main" id="{D1430699-5D0B-CF98-02AB-E8D7E7CEB86E}"/>
               </a:ext>
             </a:extLst>
           </p:cNvPr>
@@ -4939,7 +8475,7 @@
           <p:cNvPr id="30" name="TextBox 29">
             <a:extLst>
               <a:ext uri="{FF2B5EF4-FFF2-40B4-BE49-F238E27FC236}">
-                <a16:creationId xmlns:a16="http://schemas.microsoft.com/office/drawing/2014/main" id="{C00EA236-935F-EF6C-4ED4-8AF73DE70985}"/>
+                <a16:creationId xmlns:a16="http://schemas.microsoft.com/office/drawing/2014/main" id="{E3189D43-D600-CDAC-2F37-11C23F62D8D7}"/>
               </a:ext>
             </a:extLst>
           </p:cNvPr>
@@ -4981,7 +8517,7 @@
           <p:cNvPr id="39" name="TextBox 38">
             <a:extLst>
               <a:ext uri="{FF2B5EF4-FFF2-40B4-BE49-F238E27FC236}">
-                <a16:creationId xmlns:a16="http://schemas.microsoft.com/office/drawing/2014/main" id="{97492F51-0387-1CD9-040A-C9D874054716}"/>
+                <a16:creationId xmlns:a16="http://schemas.microsoft.com/office/drawing/2014/main" id="{EC4D8597-5C43-F0CF-05E2-027467CBCD07}"/>
               </a:ext>
             </a:extLst>
           </p:cNvPr>
@@ -5023,7 +8559,7 @@
           <p:cNvPr id="40" name="TextBox 39">
             <a:extLst>
               <a:ext uri="{FF2B5EF4-FFF2-40B4-BE49-F238E27FC236}">
-                <a16:creationId xmlns:a16="http://schemas.microsoft.com/office/drawing/2014/main" id="{4558B6B8-8D44-79EC-AACE-B90F1076AD52}"/>
+                <a16:creationId xmlns:a16="http://schemas.microsoft.com/office/drawing/2014/main" id="{0EAAFBC5-7812-6863-F074-42E82B52EBBB}"/>
               </a:ext>
             </a:extLst>
           </p:cNvPr>
@@ -5065,7 +8601,7 @@
           <p:cNvPr id="41" name="TextBox 40">
             <a:extLst>
               <a:ext uri="{FF2B5EF4-FFF2-40B4-BE49-F238E27FC236}">
-                <a16:creationId xmlns:a16="http://schemas.microsoft.com/office/drawing/2014/main" id="{50450F6F-3F27-1654-7693-7A115666AB73}"/>
+                <a16:creationId xmlns:a16="http://schemas.microsoft.com/office/drawing/2014/main" id="{B04C31E9-9788-45D6-7F1D-01713831A939}"/>
               </a:ext>
             </a:extLst>
           </p:cNvPr>
@@ -5107,7 +8643,7 @@
           <p:cNvPr id="42" name="TextBox 41">
             <a:extLst>
               <a:ext uri="{FF2B5EF4-FFF2-40B4-BE49-F238E27FC236}">
-                <a16:creationId xmlns:a16="http://schemas.microsoft.com/office/drawing/2014/main" id="{783904B1-EE41-9317-A74A-36BDE6397A76}"/>
+                <a16:creationId xmlns:a16="http://schemas.microsoft.com/office/drawing/2014/main" id="{592CB278-AB37-10A5-8224-7DD0A44CFFEF}"/>
               </a:ext>
             </a:extLst>
           </p:cNvPr>
@@ -5149,7 +8685,7 @@
           <p:cNvPr id="43" name="TextBox 42">
             <a:extLst>
               <a:ext uri="{FF2B5EF4-FFF2-40B4-BE49-F238E27FC236}">
-                <a16:creationId xmlns:a16="http://schemas.microsoft.com/office/drawing/2014/main" id="{323A3040-AB5D-A613-B519-343604999D1E}"/>
+                <a16:creationId xmlns:a16="http://schemas.microsoft.com/office/drawing/2014/main" id="{4315BA04-BFEB-0A12-2A95-004B1951940B}"/>
               </a:ext>
             </a:extLst>
           </p:cNvPr>
@@ -5191,7 +8727,7 @@
           <p:cNvPr id="44" name="TextBox 43">
             <a:extLst>
               <a:ext uri="{FF2B5EF4-FFF2-40B4-BE49-F238E27FC236}">
-                <a16:creationId xmlns:a16="http://schemas.microsoft.com/office/drawing/2014/main" id="{CE4C8653-A69D-415C-946A-581A85353811}"/>
+                <a16:creationId xmlns:a16="http://schemas.microsoft.com/office/drawing/2014/main" id="{9BED38D6-0010-31AF-AC48-2B8134D968AF}"/>
               </a:ext>
             </a:extLst>
           </p:cNvPr>
@@ -5233,7 +8769,7 @@
           <p:cNvPr id="45" name="TextBox 44">
             <a:extLst>
               <a:ext uri="{FF2B5EF4-FFF2-40B4-BE49-F238E27FC236}">
-                <a16:creationId xmlns:a16="http://schemas.microsoft.com/office/drawing/2014/main" id="{A583D764-38F7-08CF-87DB-981D8D3ED90C}"/>
+                <a16:creationId xmlns:a16="http://schemas.microsoft.com/office/drawing/2014/main" id="{8ED61D36-D769-EFE3-E6FD-104877A0263C}"/>
               </a:ext>
             </a:extLst>
           </p:cNvPr>
@@ -5275,7 +8811,7 @@
           <p:cNvPr id="46" name="TextBox 45">
             <a:extLst>
               <a:ext uri="{FF2B5EF4-FFF2-40B4-BE49-F238E27FC236}">
-                <a16:creationId xmlns:a16="http://schemas.microsoft.com/office/drawing/2014/main" id="{56D0F520-BE6F-A78C-0BA0-511EC6D2095B}"/>
+                <a16:creationId xmlns:a16="http://schemas.microsoft.com/office/drawing/2014/main" id="{018FD1FC-1502-1E79-2E40-CC60622C1838}"/>
               </a:ext>
             </a:extLst>
           </p:cNvPr>
@@ -5320,7 +8856,7 @@
           <p:cNvPr id="47" name="TextBox 46">
             <a:extLst>
               <a:ext uri="{FF2B5EF4-FFF2-40B4-BE49-F238E27FC236}">
-                <a16:creationId xmlns:a16="http://schemas.microsoft.com/office/drawing/2014/main" id="{4EFAD4B6-AB08-1283-530D-B5E5406C26F0}"/>
+                <a16:creationId xmlns:a16="http://schemas.microsoft.com/office/drawing/2014/main" id="{B300BCDE-94DB-4288-727F-0895CF0506E6}"/>
               </a:ext>
             </a:extLst>
           </p:cNvPr>
@@ -5362,7 +8898,7 @@
           <p:cNvPr id="48" name="TextBox 47">
             <a:extLst>
               <a:ext uri="{FF2B5EF4-FFF2-40B4-BE49-F238E27FC236}">
-                <a16:creationId xmlns:a16="http://schemas.microsoft.com/office/drawing/2014/main" id="{445C08C1-AFA9-C83C-0DBF-358DAB013BF7}"/>
+                <a16:creationId xmlns:a16="http://schemas.microsoft.com/office/drawing/2014/main" id="{5A643E71-0C74-C5B4-6137-872F9DECAE76}"/>
               </a:ext>
             </a:extLst>
           </p:cNvPr>
@@ -5404,7 +8940,7 @@
           <p:cNvPr id="49" name="TextBox 48">
             <a:extLst>
               <a:ext uri="{FF2B5EF4-FFF2-40B4-BE49-F238E27FC236}">
-                <a16:creationId xmlns:a16="http://schemas.microsoft.com/office/drawing/2014/main" id="{71ABC646-235F-2125-2445-A314EBFB10F7}"/>
+                <a16:creationId xmlns:a16="http://schemas.microsoft.com/office/drawing/2014/main" id="{02CB1A10-D754-A0A0-E1FB-70660F14D6D1}"/>
               </a:ext>
             </a:extLst>
           </p:cNvPr>
@@ -5446,7 +8982,7 @@
           <p:cNvPr id="50" name="TextBox 49">
             <a:extLst>
               <a:ext uri="{FF2B5EF4-FFF2-40B4-BE49-F238E27FC236}">
-                <a16:creationId xmlns:a16="http://schemas.microsoft.com/office/drawing/2014/main" id="{12361291-2011-5658-A35C-96CC1CD48AF0}"/>
+                <a16:creationId xmlns:a16="http://schemas.microsoft.com/office/drawing/2014/main" id="{4DA285A8-A263-6577-22F7-052E5DF97191}"/>
               </a:ext>
             </a:extLst>
           </p:cNvPr>
@@ -5488,7 +9024,7 @@
           <p:cNvPr id="61" name="TextBox 60">
             <a:extLst>
               <a:ext uri="{FF2B5EF4-FFF2-40B4-BE49-F238E27FC236}">
-                <a16:creationId xmlns:a16="http://schemas.microsoft.com/office/drawing/2014/main" id="{1BAFE055-9B49-4F90-073C-4D7B7E7B8D23}"/>
+                <a16:creationId xmlns:a16="http://schemas.microsoft.com/office/drawing/2014/main" id="{409497F6-64B4-8B04-8630-3CAAC9DA01DB}"/>
               </a:ext>
             </a:extLst>
           </p:cNvPr>
@@ -5530,7 +9066,7 @@
           <p:cNvPr id="62" name="TextBox 61">
             <a:extLst>
               <a:ext uri="{FF2B5EF4-FFF2-40B4-BE49-F238E27FC236}">
-                <a16:creationId xmlns:a16="http://schemas.microsoft.com/office/drawing/2014/main" id="{7B23019A-662D-C8DD-DECB-1E5C1D74529A}"/>
+                <a16:creationId xmlns:a16="http://schemas.microsoft.com/office/drawing/2014/main" id="{264E88FF-EA0C-0873-4614-E937D6C1F44B}"/>
               </a:ext>
             </a:extLst>
           </p:cNvPr>
@@ -5572,7 +9108,7 @@
           <p:cNvPr id="63" name="TextBox 62">
             <a:extLst>
               <a:ext uri="{FF2B5EF4-FFF2-40B4-BE49-F238E27FC236}">
-                <a16:creationId xmlns:a16="http://schemas.microsoft.com/office/drawing/2014/main" id="{B2E2E90B-B63F-5F0D-FD75-7A38F4FC27E6}"/>
+                <a16:creationId xmlns:a16="http://schemas.microsoft.com/office/drawing/2014/main" id="{17BA7865-092F-30A1-4278-6D85848A1F33}"/>
               </a:ext>
             </a:extLst>
           </p:cNvPr>
@@ -5614,7 +9150,7 @@
           <p:cNvPr id="64" name="TextBox 63">
             <a:extLst>
               <a:ext uri="{FF2B5EF4-FFF2-40B4-BE49-F238E27FC236}">
-                <a16:creationId xmlns:a16="http://schemas.microsoft.com/office/drawing/2014/main" id="{29B86CDA-6EE6-FDC2-3189-E531E300A54E}"/>
+                <a16:creationId xmlns:a16="http://schemas.microsoft.com/office/drawing/2014/main" id="{5459DA27-2DCA-2B78-5A62-25A80BF39BD7}"/>
               </a:ext>
             </a:extLst>
           </p:cNvPr>
@@ -5656,7 +9192,7 @@
           <p:cNvPr id="65" name="TextBox 64">
             <a:extLst>
               <a:ext uri="{FF2B5EF4-FFF2-40B4-BE49-F238E27FC236}">
-                <a16:creationId xmlns:a16="http://schemas.microsoft.com/office/drawing/2014/main" id="{17EBBF58-6E67-EFEB-2CE8-62E74362E7A7}"/>
+                <a16:creationId xmlns:a16="http://schemas.microsoft.com/office/drawing/2014/main" id="{1881BCD1-E715-41E7-33C5-03C87704B4D4}"/>
               </a:ext>
             </a:extLst>
           </p:cNvPr>
@@ -5701,7 +9237,7 @@
           <p:cNvPr id="66" name="TextBox 65">
             <a:extLst>
               <a:ext uri="{FF2B5EF4-FFF2-40B4-BE49-F238E27FC236}">
-                <a16:creationId xmlns:a16="http://schemas.microsoft.com/office/drawing/2014/main" id="{F9B3FB25-ED22-49C8-CBBE-35310078C617}"/>
+                <a16:creationId xmlns:a16="http://schemas.microsoft.com/office/drawing/2014/main" id="{1BDFA2B1-1AFD-3C35-DD11-4B9ECCF9652C}"/>
               </a:ext>
             </a:extLst>
           </p:cNvPr>
@@ -5747,7 +9283,7 @@
           <p:cNvPr id="67" name="TextBox 66">
             <a:extLst>
               <a:ext uri="{FF2B5EF4-FFF2-40B4-BE49-F238E27FC236}">
-                <a16:creationId xmlns:a16="http://schemas.microsoft.com/office/drawing/2014/main" id="{05A80642-BA35-33C3-A012-A60B4BB424FA}"/>
+                <a16:creationId xmlns:a16="http://schemas.microsoft.com/office/drawing/2014/main" id="{DB20DC99-6ABF-9C6E-F2F8-E15162FFC06A}"/>
               </a:ext>
             </a:extLst>
           </p:cNvPr>
@@ -5789,7 +9325,7 @@
           <p:cNvPr id="68" name="TextBox 67">
             <a:extLst>
               <a:ext uri="{FF2B5EF4-FFF2-40B4-BE49-F238E27FC236}">
-                <a16:creationId xmlns:a16="http://schemas.microsoft.com/office/drawing/2014/main" id="{35DD07A2-78FC-B7E6-2770-0564C54E3C1F}"/>
+                <a16:creationId xmlns:a16="http://schemas.microsoft.com/office/drawing/2014/main" id="{7E8CD04C-5AA4-AB9F-93B4-239636A4CCF0}"/>
               </a:ext>
             </a:extLst>
           </p:cNvPr>
@@ -5831,7 +9367,7 @@
           <p:cNvPr id="69" name="TextBox 68">
             <a:extLst>
               <a:ext uri="{FF2B5EF4-FFF2-40B4-BE49-F238E27FC236}">
-                <a16:creationId xmlns:a16="http://schemas.microsoft.com/office/drawing/2014/main" id="{DC53B881-F5C0-786C-0591-05869AC021A6}"/>
+                <a16:creationId xmlns:a16="http://schemas.microsoft.com/office/drawing/2014/main" id="{5677F6DD-4AC6-F5B0-1136-D0B7FB603E98}"/>
               </a:ext>
             </a:extLst>
           </p:cNvPr>
@@ -5873,7 +9409,7 @@
           <p:cNvPr id="70" name="TextBox 69">
             <a:extLst>
               <a:ext uri="{FF2B5EF4-FFF2-40B4-BE49-F238E27FC236}">
-                <a16:creationId xmlns:a16="http://schemas.microsoft.com/office/drawing/2014/main" id="{3C7D8780-E5A3-86BD-F6A0-598DB289C7C2}"/>
+                <a16:creationId xmlns:a16="http://schemas.microsoft.com/office/drawing/2014/main" id="{69BFA1AC-4DB9-349A-C439-E945BBC20446}"/>
               </a:ext>
             </a:extLst>
           </p:cNvPr>
@@ -5915,7 +9451,7 @@
           <p:cNvPr id="71" name="TextBox 70">
             <a:extLst>
               <a:ext uri="{FF2B5EF4-FFF2-40B4-BE49-F238E27FC236}">
-                <a16:creationId xmlns:a16="http://schemas.microsoft.com/office/drawing/2014/main" id="{8409AC3F-A707-27E8-9CD1-4D953B2E1ADA}"/>
+                <a16:creationId xmlns:a16="http://schemas.microsoft.com/office/drawing/2014/main" id="{3AAE19ED-2816-BD0C-D05A-62614197FDBB}"/>
               </a:ext>
             </a:extLst>
           </p:cNvPr>
@@ -5957,7 +9493,7 @@
           <p:cNvPr id="72" name="TextBox 71">
             <a:extLst>
               <a:ext uri="{FF2B5EF4-FFF2-40B4-BE49-F238E27FC236}">
-                <a16:creationId xmlns:a16="http://schemas.microsoft.com/office/drawing/2014/main" id="{331A1301-F9AD-7AC5-749F-24966E96BB7A}"/>
+                <a16:creationId xmlns:a16="http://schemas.microsoft.com/office/drawing/2014/main" id="{876186C7-227C-B865-DB62-6343BE0EA7CC}"/>
               </a:ext>
             </a:extLst>
           </p:cNvPr>
@@ -5999,7 +9535,7 @@
           <p:cNvPr id="2" name="TextBox 1">
             <a:extLst>
               <a:ext uri="{FF2B5EF4-FFF2-40B4-BE49-F238E27FC236}">
-                <a16:creationId xmlns:a16="http://schemas.microsoft.com/office/drawing/2014/main" id="{56C10BA3-DF10-7340-357A-C36C2FE44C4B}"/>
+                <a16:creationId xmlns:a16="http://schemas.microsoft.com/office/drawing/2014/main" id="{89AE8C13-6BEF-4F2D-CE82-E073BE92C853}"/>
               </a:ext>
             </a:extLst>
           </p:cNvPr>
@@ -6041,7 +9577,7 @@
           <p:cNvPr id="51" name="TextBox 50">
             <a:extLst>
               <a:ext uri="{FF2B5EF4-FFF2-40B4-BE49-F238E27FC236}">
-                <a16:creationId xmlns:a16="http://schemas.microsoft.com/office/drawing/2014/main" id="{77447261-C738-9BFE-FEDC-3B3B15534FA4}"/>
+                <a16:creationId xmlns:a16="http://schemas.microsoft.com/office/drawing/2014/main" id="{3E5C5852-7B53-1DB2-2A10-892ACBF157AC}"/>
               </a:ext>
             </a:extLst>
           </p:cNvPr>
@@ -6083,7 +9619,7 @@
           <p:cNvPr id="52" name="TextBox 51">
             <a:extLst>
               <a:ext uri="{FF2B5EF4-FFF2-40B4-BE49-F238E27FC236}">
-                <a16:creationId xmlns:a16="http://schemas.microsoft.com/office/drawing/2014/main" id="{9CE44E29-B2C6-6CB4-41AE-D99C563F33BB}"/>
+                <a16:creationId xmlns:a16="http://schemas.microsoft.com/office/drawing/2014/main" id="{7E54FF96-582E-E3FF-4912-D59926B5E183}"/>
               </a:ext>
             </a:extLst>
           </p:cNvPr>
@@ -6125,7 +9661,7 @@
           <p:cNvPr id="53" name="TextBox 52">
             <a:extLst>
               <a:ext uri="{FF2B5EF4-FFF2-40B4-BE49-F238E27FC236}">
-                <a16:creationId xmlns:a16="http://schemas.microsoft.com/office/drawing/2014/main" id="{4C94F53B-C127-DAE1-9E83-EEA7624CA431}"/>
+                <a16:creationId xmlns:a16="http://schemas.microsoft.com/office/drawing/2014/main" id="{DA3AA2CA-F171-FC3D-D9B8-55E059FEC962}"/>
               </a:ext>
             </a:extLst>
           </p:cNvPr>
@@ -6167,7 +9703,7 @@
           <p:cNvPr id="54" name="TextBox 53">
             <a:extLst>
               <a:ext uri="{FF2B5EF4-FFF2-40B4-BE49-F238E27FC236}">
-                <a16:creationId xmlns:a16="http://schemas.microsoft.com/office/drawing/2014/main" id="{C794E1CF-0E53-E677-4763-83D95FA458A2}"/>
+                <a16:creationId xmlns:a16="http://schemas.microsoft.com/office/drawing/2014/main" id="{1431EE6D-BF90-DF24-F943-D56A4AAFAA8A}"/>
               </a:ext>
             </a:extLst>
           </p:cNvPr>
@@ -6219,7 +9755,7 @@
           <p:cNvPr id="55" name="TextBox 54">
             <a:extLst>
               <a:ext uri="{FF2B5EF4-FFF2-40B4-BE49-F238E27FC236}">
-                <a16:creationId xmlns:a16="http://schemas.microsoft.com/office/drawing/2014/main" id="{1B7B729F-2DD2-8E76-B787-B7F08DE6E42F}"/>
+                <a16:creationId xmlns:a16="http://schemas.microsoft.com/office/drawing/2014/main" id="{A98B1579-AEAE-D2E0-0454-FBB222DDB50D}"/>
               </a:ext>
             </a:extLst>
           </p:cNvPr>
@@ -6261,7 +9797,7 @@
           <p:cNvPr id="56" name="TextBox 55">
             <a:extLst>
               <a:ext uri="{FF2B5EF4-FFF2-40B4-BE49-F238E27FC236}">
-                <a16:creationId xmlns:a16="http://schemas.microsoft.com/office/drawing/2014/main" id="{36C43CA6-4035-D184-C874-36A0A03FBA18}"/>
+                <a16:creationId xmlns:a16="http://schemas.microsoft.com/office/drawing/2014/main" id="{29EC1BCA-C751-94D8-1AF2-83A55CB3D8E7}"/>
               </a:ext>
             </a:extLst>
           </p:cNvPr>
@@ -6303,7 +9839,7 @@
           <p:cNvPr id="57" name="TextBox 56">
             <a:extLst>
               <a:ext uri="{FF2B5EF4-FFF2-40B4-BE49-F238E27FC236}">
-                <a16:creationId xmlns:a16="http://schemas.microsoft.com/office/drawing/2014/main" id="{30FE66B5-7142-E3EA-7224-19155C189C4C}"/>
+                <a16:creationId xmlns:a16="http://schemas.microsoft.com/office/drawing/2014/main" id="{4CA710BD-D657-A2B9-1071-EF8FEDF1ADF9}"/>
               </a:ext>
             </a:extLst>
           </p:cNvPr>
@@ -6345,7 +9881,7 @@
           <p:cNvPr id="58" name="TextBox 57">
             <a:extLst>
               <a:ext uri="{FF2B5EF4-FFF2-40B4-BE49-F238E27FC236}">
-                <a16:creationId xmlns:a16="http://schemas.microsoft.com/office/drawing/2014/main" id="{9B47D95F-7D5A-B47D-8827-69FAEDEE9970}"/>
+                <a16:creationId xmlns:a16="http://schemas.microsoft.com/office/drawing/2014/main" id="{EA67A524-8DE4-0DC7-1A33-3A3F6B0E2DE1}"/>
               </a:ext>
             </a:extLst>
           </p:cNvPr>
@@ -6387,7 +9923,7 @@
           <p:cNvPr id="59" name="TextBox 58">
             <a:extLst>
               <a:ext uri="{FF2B5EF4-FFF2-40B4-BE49-F238E27FC236}">
-                <a16:creationId xmlns:a16="http://schemas.microsoft.com/office/drawing/2014/main" id="{413501C5-C885-B5CB-63BE-9B0706751392}"/>
+                <a16:creationId xmlns:a16="http://schemas.microsoft.com/office/drawing/2014/main" id="{70D02400-68C8-5948-8D9F-752A421FC279}"/>
               </a:ext>
             </a:extLst>
           </p:cNvPr>
@@ -6429,7 +9965,7 @@
           <p:cNvPr id="73" name="TextBox 72">
             <a:extLst>
               <a:ext uri="{FF2B5EF4-FFF2-40B4-BE49-F238E27FC236}">
-                <a16:creationId xmlns:a16="http://schemas.microsoft.com/office/drawing/2014/main" id="{53BDF0F1-DB24-9F5C-F6BE-BAA92A73BD1E}"/>
+                <a16:creationId xmlns:a16="http://schemas.microsoft.com/office/drawing/2014/main" id="{EB4DD178-4CBF-BFDA-2557-0DEAFD124366}"/>
               </a:ext>
             </a:extLst>
           </p:cNvPr>
@@ -6471,7 +10007,7 @@
           <p:cNvPr id="74" name="TextBox 73">
             <a:extLst>
               <a:ext uri="{FF2B5EF4-FFF2-40B4-BE49-F238E27FC236}">
-                <a16:creationId xmlns:a16="http://schemas.microsoft.com/office/drawing/2014/main" id="{7101A8AA-0510-3460-E1C1-5FA75BDB7DA4}"/>
+                <a16:creationId xmlns:a16="http://schemas.microsoft.com/office/drawing/2014/main" id="{9F14BB8D-C3BC-144B-DA5F-BD746A158122}"/>
               </a:ext>
             </a:extLst>
           </p:cNvPr>
@@ -6513,7 +10049,7 @@
           <p:cNvPr id="75" name="TextBox 74">
             <a:extLst>
               <a:ext uri="{FF2B5EF4-FFF2-40B4-BE49-F238E27FC236}">
-                <a16:creationId xmlns:a16="http://schemas.microsoft.com/office/drawing/2014/main" id="{D723CA63-3FCD-446E-49B6-BDEA2B2E187A}"/>
+                <a16:creationId xmlns:a16="http://schemas.microsoft.com/office/drawing/2014/main" id="{CD9E3DE1-AF6C-6D66-3B3D-EEBB0849D5F1}"/>
               </a:ext>
             </a:extLst>
           </p:cNvPr>
@@ -6555,7 +10091,7 @@
           <p:cNvPr id="76" name="TextBox 75">
             <a:extLst>
               <a:ext uri="{FF2B5EF4-FFF2-40B4-BE49-F238E27FC236}">
-                <a16:creationId xmlns:a16="http://schemas.microsoft.com/office/drawing/2014/main" id="{593AD904-4BD2-E347-4041-EA227BCC8AB3}"/>
+                <a16:creationId xmlns:a16="http://schemas.microsoft.com/office/drawing/2014/main" id="{9F317F27-9162-7019-8DFE-620D2428E56C}"/>
               </a:ext>
             </a:extLst>
           </p:cNvPr>
@@ -6597,7 +10133,7 @@
           <p:cNvPr id="77" name="TextBox 76">
             <a:extLst>
               <a:ext uri="{FF2B5EF4-FFF2-40B4-BE49-F238E27FC236}">
-                <a16:creationId xmlns:a16="http://schemas.microsoft.com/office/drawing/2014/main" id="{B5A071D0-8F7A-49FC-427E-AF6AF589FEFD}"/>
+                <a16:creationId xmlns:a16="http://schemas.microsoft.com/office/drawing/2014/main" id="{1EF8D741-E8DB-CE35-7AD9-12E2AA4AAC9B}"/>
               </a:ext>
             </a:extLst>
           </p:cNvPr>
@@ -6639,7 +10175,7 @@
           <p:cNvPr id="78" name="TextBox 77">
             <a:extLst>
               <a:ext uri="{FF2B5EF4-FFF2-40B4-BE49-F238E27FC236}">
-                <a16:creationId xmlns:a16="http://schemas.microsoft.com/office/drawing/2014/main" id="{16AD672D-DC05-1DAD-0AD5-5F383B5E728B}"/>
+                <a16:creationId xmlns:a16="http://schemas.microsoft.com/office/drawing/2014/main" id="{9C29946B-6E67-B4E8-93F5-3A06CE31A2C0}"/>
               </a:ext>
             </a:extLst>
           </p:cNvPr>
@@ -6681,7 +10217,7 @@
           <p:cNvPr id="79" name="TextBox 78">
             <a:extLst>
               <a:ext uri="{FF2B5EF4-FFF2-40B4-BE49-F238E27FC236}">
-                <a16:creationId xmlns:a16="http://schemas.microsoft.com/office/drawing/2014/main" id="{10EB999B-BD45-D3EE-D75D-CED1E7D6B979}"/>
+                <a16:creationId xmlns:a16="http://schemas.microsoft.com/office/drawing/2014/main" id="{C1CA1555-191D-6497-ACD4-F974DCC561AB}"/>
               </a:ext>
             </a:extLst>
           </p:cNvPr>
@@ -6721,7 +10257,7 @@
     </p:spTree>
     <p:extLst>
       <p:ext uri="{BB962C8B-B14F-4D97-AF65-F5344CB8AC3E}">
-        <p14:creationId xmlns:p14="http://schemas.microsoft.com/office/powerpoint/2010/main" val="1276920188"/>
+        <p14:creationId xmlns:p14="http://schemas.microsoft.com/office/powerpoint/2010/main" val="3885389447"/>
       </p:ext>
     </p:extLst>
   </p:cSld>
